--- a/presentation.pptx
+++ b/presentation.pptx
@@ -5,7 +5,7 @@
     <p:sldMasterId id="2147483648" r:id="rId1"/>
   </p:sldMasterIdLst>
   <p:notesMasterIdLst>
-    <p:notesMasterId r:id="rId25"/>
+    <p:notesMasterId r:id="rId28"/>
   </p:notesMasterIdLst>
   <p:sldIdLst>
     <p:sldId id="256" r:id="rId2"/>
@@ -29,8 +29,11 @@
     <p:sldId id="274" r:id="rId20"/>
     <p:sldId id="275" r:id="rId21"/>
     <p:sldId id="276" r:id="rId22"/>
-    <p:sldId id="281" r:id="rId23"/>
-    <p:sldId id="278" r:id="rId24"/>
+    <p:sldId id="282" r:id="rId23"/>
+    <p:sldId id="281" r:id="rId24"/>
+    <p:sldId id="278" r:id="rId25"/>
+    <p:sldId id="283" r:id="rId26"/>
+    <p:sldId id="284" r:id="rId27"/>
   </p:sldIdLst>
   <p:sldSz cx="12192000" cy="6858000"/>
   <p:notesSz cx="6858000" cy="9144000"/>
@@ -577,6 +580,144 @@
     <p:extLst>
       <p:ext uri="{BB962C8B-B14F-4D97-AF65-F5344CB8AC3E}">
         <p14:creationId xmlns:p14="http://schemas.microsoft.com/office/powerpoint/2010/main" val="3037720301"/>
+      </p:ext>
+    </p:extLst>
+  </p:cSld>
+  <p:clrMapOvr>
+    <a:masterClrMapping/>
+  </p:clrMapOvr>
+</p:notes>
+</file>
+
+<file path=ppt/notesSlides/notesSlide10.xml><?xml version="1.0" encoding="utf-8"?>
+<p:notes xmlns:a="http://schemas.openxmlformats.org/drawingml/2006/main" xmlns:r="http://schemas.openxmlformats.org/officeDocument/2006/relationships" xmlns:p="http://schemas.openxmlformats.org/presentationml/2006/main">
+  <p:cSld>
+    <p:spTree>
+      <p:nvGrpSpPr>
+        <p:cNvPr id="1" name=""/>
+        <p:cNvGrpSpPr/>
+        <p:nvPr/>
+      </p:nvGrpSpPr>
+      <p:grpSpPr>
+        <a:xfrm>
+          <a:off x="0" y="0"/>
+          <a:ext cx="0" cy="0"/>
+          <a:chOff x="0" y="0"/>
+          <a:chExt cx="0" cy="0"/>
+        </a:xfrm>
+      </p:grpSpPr>
+      <p:sp>
+        <p:nvSpPr>
+          <p:cNvPr id="2" name="Platshållare för bildobjekt 1"/>
+          <p:cNvSpPr>
+            <a:spLocks noGrp="1" noRot="1" noChangeAspect="1"/>
+          </p:cNvSpPr>
+          <p:nvPr>
+            <p:ph type="sldImg"/>
+          </p:nvPr>
+        </p:nvSpPr>
+        <p:spPr/>
+      </p:sp>
+      <p:sp>
+        <p:nvSpPr>
+          <p:cNvPr id="3" name="Platshållare för anteckningar 2"/>
+          <p:cNvSpPr>
+            <a:spLocks noGrp="1"/>
+          </p:cNvSpPr>
+          <p:nvPr>
+            <p:ph type="body" idx="1"/>
+          </p:nvPr>
+        </p:nvSpPr>
+        <p:spPr/>
+        <p:txBody>
+          <a:bodyPr/>
+          <a:lstStyle/>
+          <a:p>
+            <a:r>
+              <a:rPr lang="en-US" dirty="0"/>
+              <a:t>- </a:t>
+            </a:r>
+            <a:r>
+              <a:rPr lang="en-US" dirty="0" err="1"/>
+              <a:t>Hieroglyps</a:t>
+            </a:r>
+            <a:r>
+              <a:rPr lang="en-US" dirty="0"/>
+              <a:t>, hard to maintain, hard to remember</a:t>
+            </a:r>
+          </a:p>
+          <a:p>
+            <a:r>
+              <a:rPr lang="en-US" dirty="0"/>
+              <a:t>- Cuneiform, hard to read, hard to understand, hard</a:t>
+            </a:r>
+          </a:p>
+          <a:p>
+            <a:pPr marL="171450" indent="-171450">
+              <a:buFontTx/>
+              <a:buChar char="-"/>
+            </a:pPr>
+            <a:r>
+              <a:rPr lang="en-US" dirty="0"/>
+              <a:t>Gradle, nice to read, not that big</a:t>
+            </a:r>
+          </a:p>
+          <a:p>
+            <a:pPr marL="171450" indent="-171450">
+              <a:buFontTx/>
+              <a:buChar char="-"/>
+            </a:pPr>
+            <a:r>
+              <a:rPr lang="en-US" dirty="0"/>
+              <a:t>There are more, e.g. ant etc.</a:t>
+            </a:r>
+          </a:p>
+          <a:p>
+            <a:pPr marL="171450" indent="-171450">
+              <a:buFontTx/>
+              <a:buChar char="-"/>
+            </a:pPr>
+            <a:r>
+              <a:rPr lang="en-US" dirty="0" err="1"/>
+              <a:t>Cmake</a:t>
+            </a:r>
+            <a:r>
+              <a:rPr lang="en-US" dirty="0"/>
+              <a:t>, readable, open source standard (C++), mega portable!</a:t>
+            </a:r>
+          </a:p>
+          <a:p>
+            <a:endParaRPr lang="en-US" dirty="0"/>
+          </a:p>
+        </p:txBody>
+      </p:sp>
+      <p:sp>
+        <p:nvSpPr>
+          <p:cNvPr id="4" name="Platshållare för bildnummer 3"/>
+          <p:cNvSpPr>
+            <a:spLocks noGrp="1"/>
+          </p:cNvSpPr>
+          <p:nvPr>
+            <p:ph type="sldNum" sz="quarter" idx="5"/>
+          </p:nvPr>
+        </p:nvSpPr>
+        <p:spPr/>
+        <p:txBody>
+          <a:bodyPr/>
+          <a:lstStyle/>
+          <a:p>
+            <a:fld id="{0E26204E-D3EA-4BEE-8609-2977ED48DAB5}" type="slidenum">
+              <a:rPr lang="LID4096" smtClean="0"/>
+              <a:t>25</a:t>
+            </a:fld>
+            <a:endParaRPr lang="LID4096"/>
+          </a:p>
+        </p:txBody>
+      </p:sp>
+    </p:spTree>
+    <p:extLst>
+      <p:ext uri="{BB962C8B-B14F-4D97-AF65-F5344CB8AC3E}">
+        <p14:creationId xmlns:p14="http://schemas.microsoft.com/office/powerpoint/2010/main" val="2465857057"/>
       </p:ext>
     </p:extLst>
   </p:cSld>
@@ -18020,21 +18161,6 @@
           <a:p>
             <a:pPr lvl="1"/>
             <a:r>
-              <a:rPr lang="en-US" noProof="0" dirty="0"/>
-              <a:t>Null-</a:t>
-            </a:r>
-            <a:r>
-              <a:rPr lang="en-US" noProof="0" dirty="0" err="1"/>
-              <a:t>ptr</a:t>
-            </a:r>
-            <a:r>
-              <a:rPr lang="en-US" noProof="0" dirty="0"/>
-              <a:t> access, x/0, array out-of-bounds access</a:t>
-            </a:r>
-          </a:p>
-          <a:p>
-            <a:pPr lvl="1"/>
-            <a:r>
               <a:rPr lang="en-US" dirty="0"/>
               <a:t>Compiler can give warning, but not required to</a:t>
             </a:r>
@@ -18340,15 +18466,33 @@
                                   </p:childTnLst>
                                 </p:cTn>
                               </p:par>
+                            </p:childTnLst>
+                          </p:cTn>
+                        </p:par>
+                      </p:childTnLst>
+                    </p:cTn>
+                  </p:par>
+                  <p:par>
+                    <p:cTn id="21" fill="hold">
+                      <p:stCondLst>
+                        <p:cond delay="indefinite"/>
+                      </p:stCondLst>
+                      <p:childTnLst>
+                        <p:par>
+                          <p:cTn id="22" fill="hold">
+                            <p:stCondLst>
+                              <p:cond delay="0"/>
+                            </p:stCondLst>
+                            <p:childTnLst>
                               <p:par>
-                                <p:cTn id="21" presetID="1" presetClass="entr" presetSubtype="0" fill="hold" grpId="0" nodeType="withEffect">
+                                <p:cTn id="23" presetID="1" presetClass="entr" presetSubtype="0" fill="hold" grpId="0" nodeType="clickEffect">
                                   <p:stCondLst>
                                     <p:cond delay="0"/>
                                   </p:stCondLst>
                                   <p:childTnLst>
                                     <p:set>
                                       <p:cBhvr>
-                                        <p:cTn id="22" dur="1" fill="hold">
+                                        <p:cTn id="24" dur="1" fill="hold">
                                           <p:stCondLst>
                                             <p:cond delay="0"/>
                                           </p:stCondLst>
@@ -18357,55 +18501,6 @@
                                           <p:spTgt spid="3">
                                             <p:txEl>
                                               <p:pRg st="7" end="7"/>
-                                            </p:txEl>
-                                          </p:spTgt>
-                                        </p:tgtEl>
-                                        <p:attrNameLst>
-                                          <p:attrName>style.visibility</p:attrName>
-                                        </p:attrNameLst>
-                                      </p:cBhvr>
-                                      <p:to>
-                                        <p:strVal val="visible"/>
-                                      </p:to>
-                                    </p:set>
-                                  </p:childTnLst>
-                                </p:cTn>
-                              </p:par>
-                            </p:childTnLst>
-                          </p:cTn>
-                        </p:par>
-                      </p:childTnLst>
-                    </p:cTn>
-                  </p:par>
-                  <p:par>
-                    <p:cTn id="23" fill="hold">
-                      <p:stCondLst>
-                        <p:cond delay="indefinite"/>
-                      </p:stCondLst>
-                      <p:childTnLst>
-                        <p:par>
-                          <p:cTn id="24" fill="hold">
-                            <p:stCondLst>
-                              <p:cond delay="0"/>
-                            </p:stCondLst>
-                            <p:childTnLst>
-                              <p:par>
-                                <p:cTn id="25" presetID="1" presetClass="entr" presetSubtype="0" fill="hold" grpId="0" nodeType="clickEffect">
-                                  <p:stCondLst>
-                                    <p:cond delay="0"/>
-                                  </p:stCondLst>
-                                  <p:childTnLst>
-                                    <p:set>
-                                      <p:cBhvr>
-                                        <p:cTn id="26" dur="1" fill="hold">
-                                          <p:stCondLst>
-                                            <p:cond delay="0"/>
-                                          </p:stCondLst>
-                                        </p:cTn>
-                                        <p:tgtEl>
-                                          <p:spTgt spid="3">
-                                            <p:txEl>
-                                              <p:pRg st="8" end="8"/>
                                             </p:txEl>
                                           </p:spTgt>
                                         </p:tgtEl>
@@ -18476,6 +18571,695 @@
           <p:cNvPr id="2" name="Rubrik 1">
             <a:extLst>
               <a:ext uri="{FF2B5EF4-FFF2-40B4-BE49-F238E27FC236}">
+                <a16:creationId xmlns:a16="http://schemas.microsoft.com/office/drawing/2014/main" id="{F6A5E124-7A2C-4AA3-94A5-82967DB4491F}"/>
+              </a:ext>
+            </a:extLst>
+          </p:cNvPr>
+          <p:cNvSpPr>
+            <a:spLocks noGrp="1"/>
+          </p:cNvSpPr>
+          <p:nvPr>
+            <p:ph type="title"/>
+          </p:nvPr>
+        </p:nvSpPr>
+        <p:spPr/>
+        <p:txBody>
+          <a:bodyPr/>
+          <a:lstStyle/>
+          <a:p>
+            <a:r>
+              <a:rPr lang="en-US" dirty="0"/>
+              <a:t>Undefined behavior  cont’d</a:t>
+            </a:r>
+          </a:p>
+        </p:txBody>
+      </p:sp>
+      <p:sp>
+        <p:nvSpPr>
+          <p:cNvPr id="3" name="Platshållare för innehåll 2">
+            <a:extLst>
+              <a:ext uri="{FF2B5EF4-FFF2-40B4-BE49-F238E27FC236}">
+                <a16:creationId xmlns:a16="http://schemas.microsoft.com/office/drawing/2014/main" id="{B8E1A5D5-F7D6-4638-874E-67F054F42B28}"/>
+              </a:ext>
+            </a:extLst>
+          </p:cNvPr>
+          <p:cNvSpPr>
+            <a:spLocks noGrp="1"/>
+          </p:cNvSpPr>
+          <p:nvPr>
+            <p:ph idx="1"/>
+          </p:nvPr>
+        </p:nvSpPr>
+        <p:spPr/>
+        <p:txBody>
+          <a:bodyPr>
+            <a:normAutofit fontScale="92500" lnSpcReduction="20000"/>
+          </a:bodyPr>
+          <a:lstStyle/>
+          <a:p>
+            <a:r>
+              <a:rPr lang="en-US" dirty="0"/>
+              <a:t>Might be optimized away, might get a compiler warning, might be kept</a:t>
+            </a:r>
+          </a:p>
+          <a:p>
+            <a:r>
+              <a:rPr lang="en-US" dirty="0"/>
+              <a:t>Null-</a:t>
+            </a:r>
+            <a:r>
+              <a:rPr lang="en-US" dirty="0" err="1"/>
+              <a:t>ptr</a:t>
+            </a:r>
+            <a:r>
+              <a:rPr lang="en-US" dirty="0"/>
+              <a:t> access</a:t>
+            </a:r>
+          </a:p>
+          <a:p>
+            <a:r>
+              <a:rPr lang="en-US" dirty="0"/>
+              <a:t>x/0</a:t>
+            </a:r>
+          </a:p>
+          <a:p>
+            <a:r>
+              <a:rPr lang="en-US" dirty="0"/>
+              <a:t>array out-of-bounds access</a:t>
+            </a:r>
+          </a:p>
+          <a:p>
+            <a:r>
+              <a:rPr lang="en-US" dirty="0" err="1"/>
+              <a:t>i</a:t>
+            </a:r>
+            <a:r>
+              <a:rPr lang="en-US" dirty="0"/>
+              <a:t> = </a:t>
+            </a:r>
+            <a:r>
+              <a:rPr lang="en-US" dirty="0" err="1"/>
+              <a:t>i</a:t>
+            </a:r>
+            <a:r>
+              <a:rPr lang="en-US" dirty="0"/>
+              <a:t>++ + 1</a:t>
+            </a:r>
+          </a:p>
+          <a:p>
+            <a:r>
+              <a:rPr lang="en-US" dirty="0"/>
+              <a:t>Bit shifting </a:t>
+            </a:r>
+          </a:p>
+          <a:p>
+            <a:pPr lvl="1"/>
+            <a:r>
+              <a:rPr lang="en-US" dirty="0"/>
+              <a:t>a negative number </a:t>
+            </a:r>
+          </a:p>
+          <a:p>
+            <a:pPr lvl="1"/>
+            <a:r>
+              <a:rPr lang="en-US" dirty="0"/>
+              <a:t>more bits than available in signed</a:t>
+            </a:r>
+          </a:p>
+          <a:p>
+            <a:r>
+              <a:rPr lang="en-US" dirty="0"/>
+              <a:t>Integer overflow (underflow)</a:t>
+            </a:r>
+          </a:p>
+          <a:p>
+            <a:pPr lvl="1"/>
+            <a:r>
+              <a:rPr lang="en-US" dirty="0"/>
+              <a:t>Unsigned overflow ok</a:t>
+            </a:r>
+          </a:p>
+          <a:p>
+            <a:r>
+              <a:rPr lang="en-US" dirty="0"/>
+              <a:t>…</a:t>
+            </a:r>
+          </a:p>
+        </p:txBody>
+      </p:sp>
+    </p:spTree>
+    <p:extLst>
+      <p:ext uri="{BB962C8B-B14F-4D97-AF65-F5344CB8AC3E}">
+        <p14:creationId xmlns:p14="http://schemas.microsoft.com/office/powerpoint/2010/main" val="1045972608"/>
+      </p:ext>
+    </p:extLst>
+  </p:cSld>
+  <p:clrMapOvr>
+    <a:masterClrMapping/>
+  </p:clrMapOvr>
+  <p:timing>
+    <p:tnLst>
+      <p:par>
+        <p:cTn id="1" dur="indefinite" restart="never" nodeType="tmRoot">
+          <p:childTnLst>
+            <p:seq concurrent="1" nextAc="seek">
+              <p:cTn id="2" dur="indefinite" nodeType="mainSeq">
+                <p:childTnLst>
+                  <p:par>
+                    <p:cTn id="3" fill="hold">
+                      <p:stCondLst>
+                        <p:cond delay="indefinite"/>
+                      </p:stCondLst>
+                      <p:childTnLst>
+                        <p:par>
+                          <p:cTn id="4" fill="hold">
+                            <p:stCondLst>
+                              <p:cond delay="0"/>
+                            </p:stCondLst>
+                            <p:childTnLst>
+                              <p:par>
+                                <p:cTn id="5" presetID="1" presetClass="entr" presetSubtype="0" fill="hold" grpId="0" nodeType="clickEffect">
+                                  <p:stCondLst>
+                                    <p:cond delay="0"/>
+                                  </p:stCondLst>
+                                  <p:childTnLst>
+                                    <p:set>
+                                      <p:cBhvr>
+                                        <p:cTn id="6" dur="1" fill="hold">
+                                          <p:stCondLst>
+                                            <p:cond delay="0"/>
+                                          </p:stCondLst>
+                                        </p:cTn>
+                                        <p:tgtEl>
+                                          <p:spTgt spid="3">
+                                            <p:txEl>
+                                              <p:pRg st="0" end="0"/>
+                                            </p:txEl>
+                                          </p:spTgt>
+                                        </p:tgtEl>
+                                        <p:attrNameLst>
+                                          <p:attrName>style.visibility</p:attrName>
+                                        </p:attrNameLst>
+                                      </p:cBhvr>
+                                      <p:to>
+                                        <p:strVal val="visible"/>
+                                      </p:to>
+                                    </p:set>
+                                  </p:childTnLst>
+                                </p:cTn>
+                              </p:par>
+                            </p:childTnLst>
+                          </p:cTn>
+                        </p:par>
+                      </p:childTnLst>
+                    </p:cTn>
+                  </p:par>
+                  <p:par>
+                    <p:cTn id="7" fill="hold">
+                      <p:stCondLst>
+                        <p:cond delay="indefinite"/>
+                      </p:stCondLst>
+                      <p:childTnLst>
+                        <p:par>
+                          <p:cTn id="8" fill="hold">
+                            <p:stCondLst>
+                              <p:cond delay="0"/>
+                            </p:stCondLst>
+                            <p:childTnLst>
+                              <p:par>
+                                <p:cTn id="9" presetID="1" presetClass="entr" presetSubtype="0" fill="hold" grpId="0" nodeType="clickEffect">
+                                  <p:stCondLst>
+                                    <p:cond delay="0"/>
+                                  </p:stCondLst>
+                                  <p:childTnLst>
+                                    <p:set>
+                                      <p:cBhvr>
+                                        <p:cTn id="10" dur="1" fill="hold">
+                                          <p:stCondLst>
+                                            <p:cond delay="0"/>
+                                          </p:stCondLst>
+                                        </p:cTn>
+                                        <p:tgtEl>
+                                          <p:spTgt spid="3">
+                                            <p:txEl>
+                                              <p:pRg st="1" end="1"/>
+                                            </p:txEl>
+                                          </p:spTgt>
+                                        </p:tgtEl>
+                                        <p:attrNameLst>
+                                          <p:attrName>style.visibility</p:attrName>
+                                        </p:attrNameLst>
+                                      </p:cBhvr>
+                                      <p:to>
+                                        <p:strVal val="visible"/>
+                                      </p:to>
+                                    </p:set>
+                                  </p:childTnLst>
+                                </p:cTn>
+                              </p:par>
+                            </p:childTnLst>
+                          </p:cTn>
+                        </p:par>
+                      </p:childTnLst>
+                    </p:cTn>
+                  </p:par>
+                  <p:par>
+                    <p:cTn id="11" fill="hold">
+                      <p:stCondLst>
+                        <p:cond delay="indefinite"/>
+                      </p:stCondLst>
+                      <p:childTnLst>
+                        <p:par>
+                          <p:cTn id="12" fill="hold">
+                            <p:stCondLst>
+                              <p:cond delay="0"/>
+                            </p:stCondLst>
+                            <p:childTnLst>
+                              <p:par>
+                                <p:cTn id="13" presetID="1" presetClass="entr" presetSubtype="0" fill="hold" grpId="0" nodeType="clickEffect">
+                                  <p:stCondLst>
+                                    <p:cond delay="0"/>
+                                  </p:stCondLst>
+                                  <p:childTnLst>
+                                    <p:set>
+                                      <p:cBhvr>
+                                        <p:cTn id="14" dur="1" fill="hold">
+                                          <p:stCondLst>
+                                            <p:cond delay="0"/>
+                                          </p:stCondLst>
+                                        </p:cTn>
+                                        <p:tgtEl>
+                                          <p:spTgt spid="3">
+                                            <p:txEl>
+                                              <p:pRg st="2" end="2"/>
+                                            </p:txEl>
+                                          </p:spTgt>
+                                        </p:tgtEl>
+                                        <p:attrNameLst>
+                                          <p:attrName>style.visibility</p:attrName>
+                                        </p:attrNameLst>
+                                      </p:cBhvr>
+                                      <p:to>
+                                        <p:strVal val="visible"/>
+                                      </p:to>
+                                    </p:set>
+                                  </p:childTnLst>
+                                </p:cTn>
+                              </p:par>
+                            </p:childTnLst>
+                          </p:cTn>
+                        </p:par>
+                      </p:childTnLst>
+                    </p:cTn>
+                  </p:par>
+                  <p:par>
+                    <p:cTn id="15" fill="hold">
+                      <p:stCondLst>
+                        <p:cond delay="indefinite"/>
+                      </p:stCondLst>
+                      <p:childTnLst>
+                        <p:par>
+                          <p:cTn id="16" fill="hold">
+                            <p:stCondLst>
+                              <p:cond delay="0"/>
+                            </p:stCondLst>
+                            <p:childTnLst>
+                              <p:par>
+                                <p:cTn id="17" presetID="1" presetClass="entr" presetSubtype="0" fill="hold" grpId="0" nodeType="clickEffect">
+                                  <p:stCondLst>
+                                    <p:cond delay="0"/>
+                                  </p:stCondLst>
+                                  <p:childTnLst>
+                                    <p:set>
+                                      <p:cBhvr>
+                                        <p:cTn id="18" dur="1" fill="hold">
+                                          <p:stCondLst>
+                                            <p:cond delay="0"/>
+                                          </p:stCondLst>
+                                        </p:cTn>
+                                        <p:tgtEl>
+                                          <p:spTgt spid="3">
+                                            <p:txEl>
+                                              <p:pRg st="3" end="3"/>
+                                            </p:txEl>
+                                          </p:spTgt>
+                                        </p:tgtEl>
+                                        <p:attrNameLst>
+                                          <p:attrName>style.visibility</p:attrName>
+                                        </p:attrNameLst>
+                                      </p:cBhvr>
+                                      <p:to>
+                                        <p:strVal val="visible"/>
+                                      </p:to>
+                                    </p:set>
+                                  </p:childTnLst>
+                                </p:cTn>
+                              </p:par>
+                            </p:childTnLst>
+                          </p:cTn>
+                        </p:par>
+                      </p:childTnLst>
+                    </p:cTn>
+                  </p:par>
+                  <p:par>
+                    <p:cTn id="19" fill="hold">
+                      <p:stCondLst>
+                        <p:cond delay="indefinite"/>
+                      </p:stCondLst>
+                      <p:childTnLst>
+                        <p:par>
+                          <p:cTn id="20" fill="hold">
+                            <p:stCondLst>
+                              <p:cond delay="0"/>
+                            </p:stCondLst>
+                            <p:childTnLst>
+                              <p:par>
+                                <p:cTn id="21" presetID="1" presetClass="entr" presetSubtype="0" fill="hold" grpId="0" nodeType="clickEffect">
+                                  <p:stCondLst>
+                                    <p:cond delay="0"/>
+                                  </p:stCondLst>
+                                  <p:childTnLst>
+                                    <p:set>
+                                      <p:cBhvr>
+                                        <p:cTn id="22" dur="1" fill="hold">
+                                          <p:stCondLst>
+                                            <p:cond delay="0"/>
+                                          </p:stCondLst>
+                                        </p:cTn>
+                                        <p:tgtEl>
+                                          <p:spTgt spid="3">
+                                            <p:txEl>
+                                              <p:pRg st="4" end="4"/>
+                                            </p:txEl>
+                                          </p:spTgt>
+                                        </p:tgtEl>
+                                        <p:attrNameLst>
+                                          <p:attrName>style.visibility</p:attrName>
+                                        </p:attrNameLst>
+                                      </p:cBhvr>
+                                      <p:to>
+                                        <p:strVal val="visible"/>
+                                      </p:to>
+                                    </p:set>
+                                  </p:childTnLst>
+                                </p:cTn>
+                              </p:par>
+                            </p:childTnLst>
+                          </p:cTn>
+                        </p:par>
+                      </p:childTnLst>
+                    </p:cTn>
+                  </p:par>
+                  <p:par>
+                    <p:cTn id="23" fill="hold">
+                      <p:stCondLst>
+                        <p:cond delay="indefinite"/>
+                      </p:stCondLst>
+                      <p:childTnLst>
+                        <p:par>
+                          <p:cTn id="24" fill="hold">
+                            <p:stCondLst>
+                              <p:cond delay="0"/>
+                            </p:stCondLst>
+                            <p:childTnLst>
+                              <p:par>
+                                <p:cTn id="25" presetID="1" presetClass="entr" presetSubtype="0" fill="hold" grpId="0" nodeType="clickEffect">
+                                  <p:stCondLst>
+                                    <p:cond delay="0"/>
+                                  </p:stCondLst>
+                                  <p:childTnLst>
+                                    <p:set>
+                                      <p:cBhvr>
+                                        <p:cTn id="26" dur="1" fill="hold">
+                                          <p:stCondLst>
+                                            <p:cond delay="0"/>
+                                          </p:stCondLst>
+                                        </p:cTn>
+                                        <p:tgtEl>
+                                          <p:spTgt spid="3">
+                                            <p:txEl>
+                                              <p:pRg st="5" end="5"/>
+                                            </p:txEl>
+                                          </p:spTgt>
+                                        </p:tgtEl>
+                                        <p:attrNameLst>
+                                          <p:attrName>style.visibility</p:attrName>
+                                        </p:attrNameLst>
+                                      </p:cBhvr>
+                                      <p:to>
+                                        <p:strVal val="visible"/>
+                                      </p:to>
+                                    </p:set>
+                                  </p:childTnLst>
+                                </p:cTn>
+                              </p:par>
+                              <p:par>
+                                <p:cTn id="27" presetID="1" presetClass="entr" presetSubtype="0" fill="hold" grpId="0" nodeType="withEffect">
+                                  <p:stCondLst>
+                                    <p:cond delay="0"/>
+                                  </p:stCondLst>
+                                  <p:childTnLst>
+                                    <p:set>
+                                      <p:cBhvr>
+                                        <p:cTn id="28" dur="1" fill="hold">
+                                          <p:stCondLst>
+                                            <p:cond delay="0"/>
+                                          </p:stCondLst>
+                                        </p:cTn>
+                                        <p:tgtEl>
+                                          <p:spTgt spid="3">
+                                            <p:txEl>
+                                              <p:pRg st="6" end="6"/>
+                                            </p:txEl>
+                                          </p:spTgt>
+                                        </p:tgtEl>
+                                        <p:attrNameLst>
+                                          <p:attrName>style.visibility</p:attrName>
+                                        </p:attrNameLst>
+                                      </p:cBhvr>
+                                      <p:to>
+                                        <p:strVal val="visible"/>
+                                      </p:to>
+                                    </p:set>
+                                  </p:childTnLst>
+                                </p:cTn>
+                              </p:par>
+                              <p:par>
+                                <p:cTn id="29" presetID="1" presetClass="entr" presetSubtype="0" fill="hold" grpId="0" nodeType="withEffect">
+                                  <p:stCondLst>
+                                    <p:cond delay="0"/>
+                                  </p:stCondLst>
+                                  <p:childTnLst>
+                                    <p:set>
+                                      <p:cBhvr>
+                                        <p:cTn id="30" dur="1" fill="hold">
+                                          <p:stCondLst>
+                                            <p:cond delay="0"/>
+                                          </p:stCondLst>
+                                        </p:cTn>
+                                        <p:tgtEl>
+                                          <p:spTgt spid="3">
+                                            <p:txEl>
+                                              <p:pRg st="7" end="7"/>
+                                            </p:txEl>
+                                          </p:spTgt>
+                                        </p:tgtEl>
+                                        <p:attrNameLst>
+                                          <p:attrName>style.visibility</p:attrName>
+                                        </p:attrNameLst>
+                                      </p:cBhvr>
+                                      <p:to>
+                                        <p:strVal val="visible"/>
+                                      </p:to>
+                                    </p:set>
+                                  </p:childTnLst>
+                                </p:cTn>
+                              </p:par>
+                            </p:childTnLst>
+                          </p:cTn>
+                        </p:par>
+                      </p:childTnLst>
+                    </p:cTn>
+                  </p:par>
+                  <p:par>
+                    <p:cTn id="31" fill="hold">
+                      <p:stCondLst>
+                        <p:cond delay="indefinite"/>
+                      </p:stCondLst>
+                      <p:childTnLst>
+                        <p:par>
+                          <p:cTn id="32" fill="hold">
+                            <p:stCondLst>
+                              <p:cond delay="0"/>
+                            </p:stCondLst>
+                            <p:childTnLst>
+                              <p:par>
+                                <p:cTn id="33" presetID="1" presetClass="entr" presetSubtype="0" fill="hold" grpId="0" nodeType="clickEffect">
+                                  <p:stCondLst>
+                                    <p:cond delay="0"/>
+                                  </p:stCondLst>
+                                  <p:childTnLst>
+                                    <p:set>
+                                      <p:cBhvr>
+                                        <p:cTn id="34" dur="1" fill="hold">
+                                          <p:stCondLst>
+                                            <p:cond delay="0"/>
+                                          </p:stCondLst>
+                                        </p:cTn>
+                                        <p:tgtEl>
+                                          <p:spTgt spid="3">
+                                            <p:txEl>
+                                              <p:pRg st="8" end="8"/>
+                                            </p:txEl>
+                                          </p:spTgt>
+                                        </p:tgtEl>
+                                        <p:attrNameLst>
+                                          <p:attrName>style.visibility</p:attrName>
+                                        </p:attrNameLst>
+                                      </p:cBhvr>
+                                      <p:to>
+                                        <p:strVal val="visible"/>
+                                      </p:to>
+                                    </p:set>
+                                  </p:childTnLst>
+                                </p:cTn>
+                              </p:par>
+                              <p:par>
+                                <p:cTn id="35" presetID="1" presetClass="entr" presetSubtype="0" fill="hold" grpId="0" nodeType="withEffect">
+                                  <p:stCondLst>
+                                    <p:cond delay="0"/>
+                                  </p:stCondLst>
+                                  <p:childTnLst>
+                                    <p:set>
+                                      <p:cBhvr>
+                                        <p:cTn id="36" dur="1" fill="hold">
+                                          <p:stCondLst>
+                                            <p:cond delay="0"/>
+                                          </p:stCondLst>
+                                        </p:cTn>
+                                        <p:tgtEl>
+                                          <p:spTgt spid="3">
+                                            <p:txEl>
+                                              <p:pRg st="9" end="9"/>
+                                            </p:txEl>
+                                          </p:spTgt>
+                                        </p:tgtEl>
+                                        <p:attrNameLst>
+                                          <p:attrName>style.visibility</p:attrName>
+                                        </p:attrNameLst>
+                                      </p:cBhvr>
+                                      <p:to>
+                                        <p:strVal val="visible"/>
+                                      </p:to>
+                                    </p:set>
+                                  </p:childTnLst>
+                                </p:cTn>
+                              </p:par>
+                            </p:childTnLst>
+                          </p:cTn>
+                        </p:par>
+                      </p:childTnLst>
+                    </p:cTn>
+                  </p:par>
+                  <p:par>
+                    <p:cTn id="37" fill="hold">
+                      <p:stCondLst>
+                        <p:cond delay="indefinite"/>
+                      </p:stCondLst>
+                      <p:childTnLst>
+                        <p:par>
+                          <p:cTn id="38" fill="hold">
+                            <p:stCondLst>
+                              <p:cond delay="0"/>
+                            </p:stCondLst>
+                            <p:childTnLst>
+                              <p:par>
+                                <p:cTn id="39" presetID="1" presetClass="entr" presetSubtype="0" fill="hold" grpId="0" nodeType="clickEffect">
+                                  <p:stCondLst>
+                                    <p:cond delay="0"/>
+                                  </p:stCondLst>
+                                  <p:childTnLst>
+                                    <p:set>
+                                      <p:cBhvr>
+                                        <p:cTn id="40" dur="1" fill="hold">
+                                          <p:stCondLst>
+                                            <p:cond delay="0"/>
+                                          </p:stCondLst>
+                                        </p:cTn>
+                                        <p:tgtEl>
+                                          <p:spTgt spid="3">
+                                            <p:txEl>
+                                              <p:pRg st="10" end="10"/>
+                                            </p:txEl>
+                                          </p:spTgt>
+                                        </p:tgtEl>
+                                        <p:attrNameLst>
+                                          <p:attrName>style.visibility</p:attrName>
+                                        </p:attrNameLst>
+                                      </p:cBhvr>
+                                      <p:to>
+                                        <p:strVal val="visible"/>
+                                      </p:to>
+                                    </p:set>
+                                  </p:childTnLst>
+                                </p:cTn>
+                              </p:par>
+                            </p:childTnLst>
+                          </p:cTn>
+                        </p:par>
+                      </p:childTnLst>
+                    </p:cTn>
+                  </p:par>
+                </p:childTnLst>
+              </p:cTn>
+              <p:prevCondLst>
+                <p:cond evt="onPrev" delay="0">
+                  <p:tgtEl>
+                    <p:sldTgt/>
+                  </p:tgtEl>
+                </p:cond>
+              </p:prevCondLst>
+              <p:nextCondLst>
+                <p:cond evt="onNext" delay="0">
+                  <p:tgtEl>
+                    <p:sldTgt/>
+                  </p:tgtEl>
+                </p:cond>
+              </p:nextCondLst>
+            </p:seq>
+          </p:childTnLst>
+        </p:cTn>
+      </p:par>
+    </p:tnLst>
+    <p:bldLst>
+      <p:bldP spid="3" grpId="0" build="p"/>
+    </p:bldLst>
+  </p:timing>
+</p:sld>
+</file>
+
+<file path=ppt/slides/slide23.xml><?xml version="1.0" encoding="utf-8"?>
+<p:sld xmlns:a="http://schemas.openxmlformats.org/drawingml/2006/main" xmlns:r="http://schemas.openxmlformats.org/officeDocument/2006/relationships" xmlns:p="http://schemas.openxmlformats.org/presentationml/2006/main">
+  <p:cSld>
+    <p:spTree>
+      <p:nvGrpSpPr>
+        <p:cNvPr id="1" name=""/>
+        <p:cNvGrpSpPr/>
+        <p:nvPr/>
+      </p:nvGrpSpPr>
+      <p:grpSpPr>
+        <a:xfrm>
+          <a:off x="0" y="0"/>
+          <a:ext cx="0" cy="0"/>
+          <a:chOff x="0" y="0"/>
+          <a:chExt cx="0" cy="0"/>
+        </a:xfrm>
+      </p:grpSpPr>
+      <p:sp>
+        <p:nvSpPr>
+          <p:cNvPr id="2" name="Rubrik 1">
+            <a:extLst>
+              <a:ext uri="{FF2B5EF4-FFF2-40B4-BE49-F238E27FC236}">
                 <a16:creationId xmlns:a16="http://schemas.microsoft.com/office/drawing/2014/main" id="{C4D7F056-B1D4-4F87-BA35-2349F19C5B9D}"/>
               </a:ext>
             </a:extLst>
@@ -18522,26 +19306,6 @@
           <a:p>
             <a:r>
               <a:rPr lang="en-US" dirty="0"/>
-              <a:t>Integer overflow (underflow)</a:t>
-            </a:r>
-          </a:p>
-          <a:p>
-            <a:pPr lvl="1"/>
-            <a:r>
-              <a:rPr lang="en-US" dirty="0"/>
-              <a:t>Unsigned overflow ok</a:t>
-            </a:r>
-          </a:p>
-          <a:p>
-            <a:pPr lvl="1"/>
-            <a:r>
-              <a:rPr lang="en-US" dirty="0"/>
-              <a:t>Might work as expected, but not guaranteed</a:t>
-            </a:r>
-          </a:p>
-          <a:p>
-            <a:r>
-              <a:rPr lang="en-US" dirty="0"/>
               <a:t>What to do?</a:t>
             </a:r>
           </a:p>
@@ -18576,6 +19340,533 @@
     <p:extLst>
       <p:ext uri="{BB962C8B-B14F-4D97-AF65-F5344CB8AC3E}">
         <p14:creationId xmlns:p14="http://schemas.microsoft.com/office/powerpoint/2010/main" val="3171454169"/>
+      </p:ext>
+    </p:extLst>
+  </p:cSld>
+  <p:clrMapOvr>
+    <a:masterClrMapping/>
+  </p:clrMapOvr>
+  <p:timing>
+    <p:tnLst>
+      <p:par>
+        <p:cTn id="1" dur="indefinite" restart="never" nodeType="tmRoot">
+          <p:childTnLst>
+            <p:seq concurrent="1" nextAc="seek">
+              <p:cTn id="2" dur="indefinite" nodeType="mainSeq">
+                <p:childTnLst>
+                  <p:par>
+                    <p:cTn id="3" fill="hold">
+                      <p:stCondLst>
+                        <p:cond delay="indefinite"/>
+                      </p:stCondLst>
+                      <p:childTnLst>
+                        <p:par>
+                          <p:cTn id="4" fill="hold">
+                            <p:stCondLst>
+                              <p:cond delay="0"/>
+                            </p:stCondLst>
+                            <p:childTnLst>
+                              <p:par>
+                                <p:cTn id="5" presetID="1" presetClass="entr" presetSubtype="0" fill="hold" nodeType="clickEffect">
+                                  <p:stCondLst>
+                                    <p:cond delay="0"/>
+                                  </p:stCondLst>
+                                  <p:childTnLst>
+                                    <p:set>
+                                      <p:cBhvr>
+                                        <p:cTn id="6" dur="1" fill="hold">
+                                          <p:stCondLst>
+                                            <p:cond delay="0"/>
+                                          </p:stCondLst>
+                                        </p:cTn>
+                                        <p:tgtEl>
+                                          <p:spTgt spid="3">
+                                            <p:txEl>
+                                              <p:pRg st="0" end="0"/>
+                                            </p:txEl>
+                                          </p:spTgt>
+                                        </p:tgtEl>
+                                        <p:attrNameLst>
+                                          <p:attrName>style.visibility</p:attrName>
+                                        </p:attrNameLst>
+                                      </p:cBhvr>
+                                      <p:to>
+                                        <p:strVal val="visible"/>
+                                      </p:to>
+                                    </p:set>
+                                  </p:childTnLst>
+                                </p:cTn>
+                              </p:par>
+                            </p:childTnLst>
+                          </p:cTn>
+                        </p:par>
+                      </p:childTnLst>
+                    </p:cTn>
+                  </p:par>
+                  <p:par>
+                    <p:cTn id="7" fill="hold">
+                      <p:stCondLst>
+                        <p:cond delay="indefinite"/>
+                      </p:stCondLst>
+                      <p:childTnLst>
+                        <p:par>
+                          <p:cTn id="8" fill="hold">
+                            <p:stCondLst>
+                              <p:cond delay="0"/>
+                            </p:stCondLst>
+                            <p:childTnLst>
+                              <p:par>
+                                <p:cTn id="9" presetID="1" presetClass="entr" presetSubtype="0" fill="hold" nodeType="clickEffect">
+                                  <p:stCondLst>
+                                    <p:cond delay="0"/>
+                                  </p:stCondLst>
+                                  <p:childTnLst>
+                                    <p:set>
+                                      <p:cBhvr>
+                                        <p:cTn id="10" dur="1" fill="hold">
+                                          <p:stCondLst>
+                                            <p:cond delay="0"/>
+                                          </p:stCondLst>
+                                        </p:cTn>
+                                        <p:tgtEl>
+                                          <p:spTgt spid="3">
+                                            <p:txEl>
+                                              <p:pRg st="1" end="1"/>
+                                            </p:txEl>
+                                          </p:spTgt>
+                                        </p:tgtEl>
+                                        <p:attrNameLst>
+                                          <p:attrName>style.visibility</p:attrName>
+                                        </p:attrNameLst>
+                                      </p:cBhvr>
+                                      <p:to>
+                                        <p:strVal val="visible"/>
+                                      </p:to>
+                                    </p:set>
+                                  </p:childTnLst>
+                                </p:cTn>
+                              </p:par>
+                            </p:childTnLst>
+                          </p:cTn>
+                        </p:par>
+                      </p:childTnLst>
+                    </p:cTn>
+                  </p:par>
+                  <p:par>
+                    <p:cTn id="11" fill="hold">
+                      <p:stCondLst>
+                        <p:cond delay="indefinite"/>
+                      </p:stCondLst>
+                      <p:childTnLst>
+                        <p:par>
+                          <p:cTn id="12" fill="hold">
+                            <p:stCondLst>
+                              <p:cond delay="0"/>
+                            </p:stCondLst>
+                            <p:childTnLst>
+                              <p:par>
+                                <p:cTn id="13" presetID="1" presetClass="entr" presetSubtype="0" fill="hold" nodeType="clickEffect">
+                                  <p:stCondLst>
+                                    <p:cond delay="0"/>
+                                  </p:stCondLst>
+                                  <p:childTnLst>
+                                    <p:set>
+                                      <p:cBhvr>
+                                        <p:cTn id="14" dur="1" fill="hold">
+                                          <p:stCondLst>
+                                            <p:cond delay="0"/>
+                                          </p:stCondLst>
+                                        </p:cTn>
+                                        <p:tgtEl>
+                                          <p:spTgt spid="3">
+                                            <p:txEl>
+                                              <p:pRg st="2" end="2"/>
+                                            </p:txEl>
+                                          </p:spTgt>
+                                        </p:tgtEl>
+                                        <p:attrNameLst>
+                                          <p:attrName>style.visibility</p:attrName>
+                                        </p:attrNameLst>
+                                      </p:cBhvr>
+                                      <p:to>
+                                        <p:strVal val="visible"/>
+                                      </p:to>
+                                    </p:set>
+                                  </p:childTnLst>
+                                </p:cTn>
+                              </p:par>
+                            </p:childTnLst>
+                          </p:cTn>
+                        </p:par>
+                      </p:childTnLst>
+                    </p:cTn>
+                  </p:par>
+                  <p:par>
+                    <p:cTn id="15" fill="hold">
+                      <p:stCondLst>
+                        <p:cond delay="indefinite"/>
+                      </p:stCondLst>
+                      <p:childTnLst>
+                        <p:par>
+                          <p:cTn id="16" fill="hold">
+                            <p:stCondLst>
+                              <p:cond delay="0"/>
+                            </p:stCondLst>
+                            <p:childTnLst>
+                              <p:par>
+                                <p:cTn id="17" presetID="1" presetClass="entr" presetSubtype="0" fill="hold" nodeType="clickEffect">
+                                  <p:stCondLst>
+                                    <p:cond delay="0"/>
+                                  </p:stCondLst>
+                                  <p:childTnLst>
+                                    <p:set>
+                                      <p:cBhvr>
+                                        <p:cTn id="18" dur="1" fill="hold">
+                                          <p:stCondLst>
+                                            <p:cond delay="0"/>
+                                          </p:stCondLst>
+                                        </p:cTn>
+                                        <p:tgtEl>
+                                          <p:spTgt spid="3">
+                                            <p:txEl>
+                                              <p:pRg st="3" end="3"/>
+                                            </p:txEl>
+                                          </p:spTgt>
+                                        </p:tgtEl>
+                                        <p:attrNameLst>
+                                          <p:attrName>style.visibility</p:attrName>
+                                        </p:attrNameLst>
+                                      </p:cBhvr>
+                                      <p:to>
+                                        <p:strVal val="visible"/>
+                                      </p:to>
+                                    </p:set>
+                                  </p:childTnLst>
+                                </p:cTn>
+                              </p:par>
+                            </p:childTnLst>
+                          </p:cTn>
+                        </p:par>
+                      </p:childTnLst>
+                    </p:cTn>
+                  </p:par>
+                </p:childTnLst>
+              </p:cTn>
+              <p:prevCondLst>
+                <p:cond evt="onPrev" delay="0">
+                  <p:tgtEl>
+                    <p:sldTgt/>
+                  </p:tgtEl>
+                </p:cond>
+              </p:prevCondLst>
+              <p:nextCondLst>
+                <p:cond evt="onNext" delay="0">
+                  <p:tgtEl>
+                    <p:sldTgt/>
+                  </p:tgtEl>
+                </p:cond>
+              </p:nextCondLst>
+            </p:seq>
+          </p:childTnLst>
+        </p:cTn>
+      </p:par>
+    </p:tnLst>
+  </p:timing>
+</p:sld>
+</file>
+
+<file path=ppt/slides/slide24.xml><?xml version="1.0" encoding="utf-8"?>
+<p:sld xmlns:a="http://schemas.openxmlformats.org/drawingml/2006/main" xmlns:r="http://schemas.openxmlformats.org/officeDocument/2006/relationships" xmlns:p="http://schemas.openxmlformats.org/presentationml/2006/main">
+  <p:cSld>
+    <p:spTree>
+      <p:nvGrpSpPr>
+        <p:cNvPr id="1" name=""/>
+        <p:cNvGrpSpPr/>
+        <p:nvPr/>
+      </p:nvGrpSpPr>
+      <p:grpSpPr>
+        <a:xfrm>
+          <a:off x="0" y="0"/>
+          <a:ext cx="0" cy="0"/>
+          <a:chOff x="0" y="0"/>
+          <a:chExt cx="0" cy="0"/>
+        </a:xfrm>
+      </p:grpSpPr>
+      <p:sp>
+        <p:nvSpPr>
+          <p:cNvPr id="2" name="Rubrik 1">
+            <a:extLst>
+              <a:ext uri="{FF2B5EF4-FFF2-40B4-BE49-F238E27FC236}">
+                <a16:creationId xmlns:a16="http://schemas.microsoft.com/office/drawing/2014/main" id="{4FE2371A-F231-4860-8555-D54A9C3B1C07}"/>
+              </a:ext>
+            </a:extLst>
+          </p:cNvPr>
+          <p:cNvSpPr>
+            <a:spLocks noGrp="1"/>
+          </p:cNvSpPr>
+          <p:nvPr>
+            <p:ph type="title"/>
+          </p:nvPr>
+        </p:nvSpPr>
+        <p:spPr/>
+        <p:txBody>
+          <a:bodyPr/>
+          <a:lstStyle/>
+          <a:p>
+            <a:r>
+              <a:rPr lang="en-US" noProof="0" dirty="0"/>
+              <a:t>Hygiene</a:t>
+            </a:r>
+          </a:p>
+        </p:txBody>
+      </p:sp>
+      <p:sp>
+        <p:nvSpPr>
+          <p:cNvPr id="3" name="Platshållare för innehåll 2">
+            <a:extLst>
+              <a:ext uri="{FF2B5EF4-FFF2-40B4-BE49-F238E27FC236}">
+                <a16:creationId xmlns:a16="http://schemas.microsoft.com/office/drawing/2014/main" id="{87A470FF-5209-4C2A-8B6C-F8A9C7B4FBE8}"/>
+              </a:ext>
+            </a:extLst>
+          </p:cNvPr>
+          <p:cNvSpPr>
+            <a:spLocks noGrp="1"/>
+          </p:cNvSpPr>
+          <p:nvPr>
+            <p:ph idx="1"/>
+          </p:nvPr>
+        </p:nvSpPr>
+        <p:spPr/>
+        <p:txBody>
+          <a:bodyPr/>
+          <a:lstStyle/>
+          <a:p>
+            <a:r>
+              <a:rPr lang="en-US" noProof="0" dirty="0"/>
+              <a:t>Indentation</a:t>
+            </a:r>
+          </a:p>
+          <a:p>
+            <a:r>
+              <a:rPr lang="en-US" noProof="0" dirty="0"/>
+              <a:t>Naming</a:t>
+            </a:r>
+          </a:p>
+          <a:p>
+            <a:r>
+              <a:rPr lang="en-US" noProof="0" dirty="0"/>
+              <a:t>Style</a:t>
+            </a:r>
+          </a:p>
+          <a:p>
+            <a:r>
+              <a:rPr lang="en-US" noProof="0" dirty="0"/>
+              <a:t>Comments</a:t>
+            </a:r>
+          </a:p>
+          <a:p>
+            <a:r>
+              <a:rPr lang="en-US" noProof="0" dirty="0"/>
+              <a:t>Formatters</a:t>
+            </a:r>
+          </a:p>
+          <a:p>
+            <a:r>
+              <a:rPr lang="en-US" noProof="0" dirty="0"/>
+              <a:t>Static analyzers</a:t>
+            </a:r>
+          </a:p>
+          <a:p>
+            <a:r>
+              <a:rPr lang="en-US" noProof="0" dirty="0"/>
+              <a:t>Use the tools available!</a:t>
+            </a:r>
+          </a:p>
+        </p:txBody>
+      </p:sp>
+    </p:spTree>
+    <p:extLst>
+      <p:ext uri="{BB962C8B-B14F-4D97-AF65-F5344CB8AC3E}">
+        <p14:creationId xmlns:p14="http://schemas.microsoft.com/office/powerpoint/2010/main" val="3326162543"/>
+      </p:ext>
+    </p:extLst>
+  </p:cSld>
+  <p:clrMapOvr>
+    <a:masterClrMapping/>
+  </p:clrMapOvr>
+</p:sld>
+</file>
+
+<file path=ppt/slides/slide25.xml><?xml version="1.0" encoding="utf-8"?>
+<p:sld xmlns:a="http://schemas.openxmlformats.org/drawingml/2006/main" xmlns:r="http://schemas.openxmlformats.org/officeDocument/2006/relationships" xmlns:p="http://schemas.openxmlformats.org/presentationml/2006/main">
+  <p:cSld>
+    <p:spTree>
+      <p:nvGrpSpPr>
+        <p:cNvPr id="1" name=""/>
+        <p:cNvGrpSpPr/>
+        <p:nvPr/>
+      </p:nvGrpSpPr>
+      <p:grpSpPr>
+        <a:xfrm>
+          <a:off x="0" y="0"/>
+          <a:ext cx="0" cy="0"/>
+          <a:chOff x="0" y="0"/>
+          <a:chExt cx="0" cy="0"/>
+        </a:xfrm>
+      </p:grpSpPr>
+      <p:sp>
+        <p:nvSpPr>
+          <p:cNvPr id="2" name="Rubrik 1">
+            <a:extLst>
+              <a:ext uri="{FF2B5EF4-FFF2-40B4-BE49-F238E27FC236}">
+                <a16:creationId xmlns:a16="http://schemas.microsoft.com/office/drawing/2014/main" id="{083790F3-9512-46BB-8200-90596D397625}"/>
+              </a:ext>
+            </a:extLst>
+          </p:cNvPr>
+          <p:cNvSpPr>
+            <a:spLocks noGrp="1"/>
+          </p:cNvSpPr>
+          <p:nvPr>
+            <p:ph type="title"/>
+          </p:nvPr>
+        </p:nvSpPr>
+        <p:spPr/>
+        <p:txBody>
+          <a:bodyPr/>
+          <a:lstStyle/>
+          <a:p>
+            <a:r>
+              <a:rPr lang="en-US" dirty="0"/>
+              <a:t>Build thy app</a:t>
+            </a:r>
+          </a:p>
+        </p:txBody>
+      </p:sp>
+      <p:sp>
+        <p:nvSpPr>
+          <p:cNvPr id="3" name="Platshållare för innehåll 2">
+            <a:extLst>
+              <a:ext uri="{FF2B5EF4-FFF2-40B4-BE49-F238E27FC236}">
+                <a16:creationId xmlns:a16="http://schemas.microsoft.com/office/drawing/2014/main" id="{219712CF-FC1C-47BD-AB96-EBDE9BE6C99C}"/>
+              </a:ext>
+            </a:extLst>
+          </p:cNvPr>
+          <p:cNvSpPr>
+            <a:spLocks noGrp="1"/>
+          </p:cNvSpPr>
+          <p:nvPr>
+            <p:ph idx="1"/>
+          </p:nvPr>
+        </p:nvSpPr>
+        <p:spPr>
+          <a:xfrm>
+            <a:off x="838200" y="1872278"/>
+            <a:ext cx="10515600" cy="4351338"/>
+          </a:xfrm>
+        </p:spPr>
+        <p:txBody>
+          <a:bodyPr>
+            <a:normAutofit/>
+          </a:bodyPr>
+          <a:lstStyle/>
+          <a:p>
+            <a:r>
+              <a:rPr lang="en-US" dirty="0" err="1"/>
+              <a:t>gcc</a:t>
+            </a:r>
+            <a:r>
+              <a:rPr lang="en-US" dirty="0"/>
+              <a:t> -Wall </a:t>
+            </a:r>
+            <a:r>
+              <a:rPr lang="en-US" dirty="0" err="1"/>
+              <a:t>main.c</a:t>
+            </a:r>
+            <a:r>
+              <a:rPr lang="en-US" dirty="0"/>
+              <a:t> </a:t>
+            </a:r>
+          </a:p>
+          <a:p>
+            <a:r>
+              <a:rPr lang="en-US" dirty="0" err="1"/>
+              <a:t>Makefile</a:t>
+            </a:r>
+            <a:endParaRPr lang="en-US" dirty="0"/>
+          </a:p>
+          <a:p>
+            <a:r>
+              <a:rPr lang="en-US" dirty="0"/>
+              <a:t>Gradle</a:t>
+            </a:r>
+          </a:p>
+          <a:p>
+            <a:r>
+              <a:rPr lang="en-US" dirty="0" err="1"/>
+              <a:t>CMake</a:t>
+            </a:r>
+            <a:endParaRPr lang="en-US" dirty="0"/>
+          </a:p>
+          <a:p>
+            <a:pPr lvl="1"/>
+            <a:r>
+              <a:rPr lang="en-US" dirty="0"/>
+              <a:t>Cross-platform, open-source, free</a:t>
+            </a:r>
+          </a:p>
+          <a:p>
+            <a:pPr lvl="1"/>
+            <a:r>
+              <a:rPr lang="en-US" dirty="0"/>
+              <a:t>Manages build system</a:t>
+            </a:r>
+          </a:p>
+          <a:p>
+            <a:pPr lvl="2"/>
+            <a:r>
+              <a:rPr lang="en-US" dirty="0"/>
+              <a:t>Generates </a:t>
+            </a:r>
+            <a:r>
+              <a:rPr lang="en-US" dirty="0" err="1"/>
+              <a:t>Makefile</a:t>
+            </a:r>
+            <a:r>
+              <a:rPr lang="en-US" dirty="0"/>
+              <a:t>, Ninja, Eclipse, VS etc.</a:t>
+            </a:r>
+          </a:p>
+          <a:p>
+            <a:pPr lvl="2"/>
+            <a:r>
+              <a:rPr lang="en-US" dirty="0"/>
+              <a:t>VS Code, Emacs, Vim, …</a:t>
+            </a:r>
+          </a:p>
+          <a:p>
+            <a:pPr lvl="1"/>
+            <a:r>
+              <a:rPr lang="en-US" dirty="0"/>
+              <a:t>Pretty much standard in open source</a:t>
+            </a:r>
+          </a:p>
+          <a:p>
+            <a:pPr lvl="1"/>
+            <a:r>
+              <a:rPr lang="en-US" dirty="0"/>
+              <a:t>Makes you happy</a:t>
+            </a:r>
+          </a:p>
+          <a:p>
+            <a:pPr lvl="1"/>
+            <a:endParaRPr lang="en-US" dirty="0"/>
+          </a:p>
+        </p:txBody>
+      </p:sp>
+    </p:spTree>
+    <p:extLst>
+      <p:ext uri="{BB962C8B-B14F-4D97-AF65-F5344CB8AC3E}">
+        <p14:creationId xmlns:p14="http://schemas.microsoft.com/office/powerpoint/2010/main" val="3132487276"/>
       </p:ext>
     </p:extLst>
   </p:cSld>
@@ -18799,7 +20090,7 @@
                             </p:stCondLst>
                             <p:childTnLst>
                               <p:par>
-                                <p:cTn id="21" presetID="1" presetClass="entr" presetSubtype="0" fill="hold" nodeType="clickEffect">
+                                <p:cTn id="21" presetID="2" presetClass="entr" presetSubtype="4" fill="hold" nodeType="clickEffect">
                                   <p:stCondLst>
                                     <p:cond delay="0"/>
                                   </p:stCondLst>
@@ -18826,29 +20117,65 @@
                                         <p:strVal val="visible"/>
                                       </p:to>
                                     </p:set>
+                                    <p:anim calcmode="lin" valueType="num">
+                                      <p:cBhvr additive="base">
+                                        <p:cTn id="23" dur="500" fill="hold"/>
+                                        <p:tgtEl>
+                                          <p:spTgt spid="3">
+                                            <p:txEl>
+                                              <p:pRg st="4" end="4"/>
+                                            </p:txEl>
+                                          </p:spTgt>
+                                        </p:tgtEl>
+                                        <p:attrNameLst>
+                                          <p:attrName>ppt_x</p:attrName>
+                                        </p:attrNameLst>
+                                      </p:cBhvr>
+                                      <p:tavLst>
+                                        <p:tav tm="0">
+                                          <p:val>
+                                            <p:strVal val="#ppt_x"/>
+                                          </p:val>
+                                        </p:tav>
+                                        <p:tav tm="100000">
+                                          <p:val>
+                                            <p:strVal val="#ppt_x"/>
+                                          </p:val>
+                                        </p:tav>
+                                      </p:tavLst>
+                                    </p:anim>
+                                    <p:anim calcmode="lin" valueType="num">
+                                      <p:cBhvr additive="base">
+                                        <p:cTn id="24" dur="500" fill="hold"/>
+                                        <p:tgtEl>
+                                          <p:spTgt spid="3">
+                                            <p:txEl>
+                                              <p:pRg st="4" end="4"/>
+                                            </p:txEl>
+                                          </p:spTgt>
+                                        </p:tgtEl>
+                                        <p:attrNameLst>
+                                          <p:attrName>ppt_y</p:attrName>
+                                        </p:attrNameLst>
+                                      </p:cBhvr>
+                                      <p:tavLst>
+                                        <p:tav tm="0">
+                                          <p:val>
+                                            <p:strVal val="1+#ppt_h/2"/>
+                                          </p:val>
+                                        </p:tav>
+                                        <p:tav tm="100000">
+                                          <p:val>
+                                            <p:strVal val="#ppt_y"/>
+                                          </p:val>
+                                        </p:tav>
+                                      </p:tavLst>
+                                    </p:anim>
                                   </p:childTnLst>
                                 </p:cTn>
                               </p:par>
-                            </p:childTnLst>
-                          </p:cTn>
-                        </p:par>
-                      </p:childTnLst>
-                    </p:cTn>
-                  </p:par>
-                  <p:par>
-                    <p:cTn id="23" fill="hold">
-                      <p:stCondLst>
-                        <p:cond delay="indefinite"/>
-                      </p:stCondLst>
-                      <p:childTnLst>
-                        <p:par>
-                          <p:cTn id="24" fill="hold">
-                            <p:stCondLst>
-                              <p:cond delay="0"/>
-                            </p:stCondLst>
-                            <p:childTnLst>
                               <p:par>
-                                <p:cTn id="25" presetID="1" presetClass="entr" presetSubtype="0" fill="hold" nodeType="clickEffect">
+                                <p:cTn id="25" presetID="2" presetClass="entr" presetSubtype="4" fill="hold" nodeType="withEffect">
                                   <p:stCondLst>
                                     <p:cond delay="0"/>
                                   </p:stCondLst>
@@ -18875,29 +20202,65 @@
                                         <p:strVal val="visible"/>
                                       </p:to>
                                     </p:set>
+                                    <p:anim calcmode="lin" valueType="num">
+                                      <p:cBhvr additive="base">
+                                        <p:cTn id="27" dur="500" fill="hold"/>
+                                        <p:tgtEl>
+                                          <p:spTgt spid="3">
+                                            <p:txEl>
+                                              <p:pRg st="5" end="5"/>
+                                            </p:txEl>
+                                          </p:spTgt>
+                                        </p:tgtEl>
+                                        <p:attrNameLst>
+                                          <p:attrName>ppt_x</p:attrName>
+                                        </p:attrNameLst>
+                                      </p:cBhvr>
+                                      <p:tavLst>
+                                        <p:tav tm="0">
+                                          <p:val>
+                                            <p:strVal val="#ppt_x"/>
+                                          </p:val>
+                                        </p:tav>
+                                        <p:tav tm="100000">
+                                          <p:val>
+                                            <p:strVal val="#ppt_x"/>
+                                          </p:val>
+                                        </p:tav>
+                                      </p:tavLst>
+                                    </p:anim>
+                                    <p:anim calcmode="lin" valueType="num">
+                                      <p:cBhvr additive="base">
+                                        <p:cTn id="28" dur="500" fill="hold"/>
+                                        <p:tgtEl>
+                                          <p:spTgt spid="3">
+                                            <p:txEl>
+                                              <p:pRg st="5" end="5"/>
+                                            </p:txEl>
+                                          </p:spTgt>
+                                        </p:tgtEl>
+                                        <p:attrNameLst>
+                                          <p:attrName>ppt_y</p:attrName>
+                                        </p:attrNameLst>
+                                      </p:cBhvr>
+                                      <p:tavLst>
+                                        <p:tav tm="0">
+                                          <p:val>
+                                            <p:strVal val="1+#ppt_h/2"/>
+                                          </p:val>
+                                        </p:tav>
+                                        <p:tav tm="100000">
+                                          <p:val>
+                                            <p:strVal val="#ppt_y"/>
+                                          </p:val>
+                                        </p:tav>
+                                      </p:tavLst>
+                                    </p:anim>
                                   </p:childTnLst>
                                 </p:cTn>
                               </p:par>
-                            </p:childTnLst>
-                          </p:cTn>
-                        </p:par>
-                      </p:childTnLst>
-                    </p:cTn>
-                  </p:par>
-                  <p:par>
-                    <p:cTn id="27" fill="hold">
-                      <p:stCondLst>
-                        <p:cond delay="indefinite"/>
-                      </p:stCondLst>
-                      <p:childTnLst>
-                        <p:par>
-                          <p:cTn id="28" fill="hold">
-                            <p:stCondLst>
-                              <p:cond delay="0"/>
-                            </p:stCondLst>
-                            <p:childTnLst>
                               <p:par>
-                                <p:cTn id="29" presetID="1" presetClass="entr" presetSubtype="0" fill="hold" nodeType="clickEffect">
+                                <p:cTn id="29" presetID="2" presetClass="entr" presetSubtype="4" fill="hold" nodeType="withEffect">
                                   <p:stCondLst>
                                     <p:cond delay="0"/>
                                   </p:stCondLst>
@@ -18924,6 +20287,315 @@
                                         <p:strVal val="visible"/>
                                       </p:to>
                                     </p:set>
+                                    <p:anim calcmode="lin" valueType="num">
+                                      <p:cBhvr additive="base">
+                                        <p:cTn id="31" dur="500" fill="hold"/>
+                                        <p:tgtEl>
+                                          <p:spTgt spid="3">
+                                            <p:txEl>
+                                              <p:pRg st="6" end="6"/>
+                                            </p:txEl>
+                                          </p:spTgt>
+                                        </p:tgtEl>
+                                        <p:attrNameLst>
+                                          <p:attrName>ppt_x</p:attrName>
+                                        </p:attrNameLst>
+                                      </p:cBhvr>
+                                      <p:tavLst>
+                                        <p:tav tm="0">
+                                          <p:val>
+                                            <p:strVal val="#ppt_x"/>
+                                          </p:val>
+                                        </p:tav>
+                                        <p:tav tm="100000">
+                                          <p:val>
+                                            <p:strVal val="#ppt_x"/>
+                                          </p:val>
+                                        </p:tav>
+                                      </p:tavLst>
+                                    </p:anim>
+                                    <p:anim calcmode="lin" valueType="num">
+                                      <p:cBhvr additive="base">
+                                        <p:cTn id="32" dur="500" fill="hold"/>
+                                        <p:tgtEl>
+                                          <p:spTgt spid="3">
+                                            <p:txEl>
+                                              <p:pRg st="6" end="6"/>
+                                            </p:txEl>
+                                          </p:spTgt>
+                                        </p:tgtEl>
+                                        <p:attrNameLst>
+                                          <p:attrName>ppt_y</p:attrName>
+                                        </p:attrNameLst>
+                                      </p:cBhvr>
+                                      <p:tavLst>
+                                        <p:tav tm="0">
+                                          <p:val>
+                                            <p:strVal val="1+#ppt_h/2"/>
+                                          </p:val>
+                                        </p:tav>
+                                        <p:tav tm="100000">
+                                          <p:val>
+                                            <p:strVal val="#ppt_y"/>
+                                          </p:val>
+                                        </p:tav>
+                                      </p:tavLst>
+                                    </p:anim>
+                                  </p:childTnLst>
+                                </p:cTn>
+                              </p:par>
+                              <p:par>
+                                <p:cTn id="33" presetID="2" presetClass="entr" presetSubtype="4" fill="hold" nodeType="withEffect">
+                                  <p:stCondLst>
+                                    <p:cond delay="0"/>
+                                  </p:stCondLst>
+                                  <p:childTnLst>
+                                    <p:set>
+                                      <p:cBhvr>
+                                        <p:cTn id="34" dur="1" fill="hold">
+                                          <p:stCondLst>
+                                            <p:cond delay="0"/>
+                                          </p:stCondLst>
+                                        </p:cTn>
+                                        <p:tgtEl>
+                                          <p:spTgt spid="3">
+                                            <p:txEl>
+                                              <p:pRg st="7" end="7"/>
+                                            </p:txEl>
+                                          </p:spTgt>
+                                        </p:tgtEl>
+                                        <p:attrNameLst>
+                                          <p:attrName>style.visibility</p:attrName>
+                                        </p:attrNameLst>
+                                      </p:cBhvr>
+                                      <p:to>
+                                        <p:strVal val="visible"/>
+                                      </p:to>
+                                    </p:set>
+                                    <p:anim calcmode="lin" valueType="num">
+                                      <p:cBhvr additive="base">
+                                        <p:cTn id="35" dur="500" fill="hold"/>
+                                        <p:tgtEl>
+                                          <p:spTgt spid="3">
+                                            <p:txEl>
+                                              <p:pRg st="7" end="7"/>
+                                            </p:txEl>
+                                          </p:spTgt>
+                                        </p:tgtEl>
+                                        <p:attrNameLst>
+                                          <p:attrName>ppt_x</p:attrName>
+                                        </p:attrNameLst>
+                                      </p:cBhvr>
+                                      <p:tavLst>
+                                        <p:tav tm="0">
+                                          <p:val>
+                                            <p:strVal val="#ppt_x"/>
+                                          </p:val>
+                                        </p:tav>
+                                        <p:tav tm="100000">
+                                          <p:val>
+                                            <p:strVal val="#ppt_x"/>
+                                          </p:val>
+                                        </p:tav>
+                                      </p:tavLst>
+                                    </p:anim>
+                                    <p:anim calcmode="lin" valueType="num">
+                                      <p:cBhvr additive="base">
+                                        <p:cTn id="36" dur="500" fill="hold"/>
+                                        <p:tgtEl>
+                                          <p:spTgt spid="3">
+                                            <p:txEl>
+                                              <p:pRg st="7" end="7"/>
+                                            </p:txEl>
+                                          </p:spTgt>
+                                        </p:tgtEl>
+                                        <p:attrNameLst>
+                                          <p:attrName>ppt_y</p:attrName>
+                                        </p:attrNameLst>
+                                      </p:cBhvr>
+                                      <p:tavLst>
+                                        <p:tav tm="0">
+                                          <p:val>
+                                            <p:strVal val="1+#ppt_h/2"/>
+                                          </p:val>
+                                        </p:tav>
+                                        <p:tav tm="100000">
+                                          <p:val>
+                                            <p:strVal val="#ppt_y"/>
+                                          </p:val>
+                                        </p:tav>
+                                      </p:tavLst>
+                                    </p:anim>
+                                  </p:childTnLst>
+                                </p:cTn>
+                              </p:par>
+                              <p:par>
+                                <p:cTn id="37" presetID="2" presetClass="entr" presetSubtype="4" fill="hold" nodeType="withEffect">
+                                  <p:stCondLst>
+                                    <p:cond delay="0"/>
+                                  </p:stCondLst>
+                                  <p:childTnLst>
+                                    <p:set>
+                                      <p:cBhvr>
+                                        <p:cTn id="38" dur="1" fill="hold">
+                                          <p:stCondLst>
+                                            <p:cond delay="0"/>
+                                          </p:stCondLst>
+                                        </p:cTn>
+                                        <p:tgtEl>
+                                          <p:spTgt spid="3">
+                                            <p:txEl>
+                                              <p:pRg st="8" end="8"/>
+                                            </p:txEl>
+                                          </p:spTgt>
+                                        </p:tgtEl>
+                                        <p:attrNameLst>
+                                          <p:attrName>style.visibility</p:attrName>
+                                        </p:attrNameLst>
+                                      </p:cBhvr>
+                                      <p:to>
+                                        <p:strVal val="visible"/>
+                                      </p:to>
+                                    </p:set>
+                                    <p:anim calcmode="lin" valueType="num">
+                                      <p:cBhvr additive="base">
+                                        <p:cTn id="39" dur="500" fill="hold"/>
+                                        <p:tgtEl>
+                                          <p:spTgt spid="3">
+                                            <p:txEl>
+                                              <p:pRg st="8" end="8"/>
+                                            </p:txEl>
+                                          </p:spTgt>
+                                        </p:tgtEl>
+                                        <p:attrNameLst>
+                                          <p:attrName>ppt_x</p:attrName>
+                                        </p:attrNameLst>
+                                      </p:cBhvr>
+                                      <p:tavLst>
+                                        <p:tav tm="0">
+                                          <p:val>
+                                            <p:strVal val="#ppt_x"/>
+                                          </p:val>
+                                        </p:tav>
+                                        <p:tav tm="100000">
+                                          <p:val>
+                                            <p:strVal val="#ppt_x"/>
+                                          </p:val>
+                                        </p:tav>
+                                      </p:tavLst>
+                                    </p:anim>
+                                    <p:anim calcmode="lin" valueType="num">
+                                      <p:cBhvr additive="base">
+                                        <p:cTn id="40" dur="500" fill="hold"/>
+                                        <p:tgtEl>
+                                          <p:spTgt spid="3">
+                                            <p:txEl>
+                                              <p:pRg st="8" end="8"/>
+                                            </p:txEl>
+                                          </p:spTgt>
+                                        </p:tgtEl>
+                                        <p:attrNameLst>
+                                          <p:attrName>ppt_y</p:attrName>
+                                        </p:attrNameLst>
+                                      </p:cBhvr>
+                                      <p:tavLst>
+                                        <p:tav tm="0">
+                                          <p:val>
+                                            <p:strVal val="1+#ppt_h/2"/>
+                                          </p:val>
+                                        </p:tav>
+                                        <p:tav tm="100000">
+                                          <p:val>
+                                            <p:strVal val="#ppt_y"/>
+                                          </p:val>
+                                        </p:tav>
+                                      </p:tavLst>
+                                    </p:anim>
+                                  </p:childTnLst>
+                                </p:cTn>
+                              </p:par>
+                              <p:par>
+                                <p:cTn id="41" presetID="2" presetClass="entr" presetSubtype="4" fill="hold" nodeType="withEffect">
+                                  <p:stCondLst>
+                                    <p:cond delay="0"/>
+                                  </p:stCondLst>
+                                  <p:childTnLst>
+                                    <p:set>
+                                      <p:cBhvr>
+                                        <p:cTn id="42" dur="1" fill="hold">
+                                          <p:stCondLst>
+                                            <p:cond delay="0"/>
+                                          </p:stCondLst>
+                                        </p:cTn>
+                                        <p:tgtEl>
+                                          <p:spTgt spid="3">
+                                            <p:txEl>
+                                              <p:pRg st="9" end="9"/>
+                                            </p:txEl>
+                                          </p:spTgt>
+                                        </p:tgtEl>
+                                        <p:attrNameLst>
+                                          <p:attrName>style.visibility</p:attrName>
+                                        </p:attrNameLst>
+                                      </p:cBhvr>
+                                      <p:to>
+                                        <p:strVal val="visible"/>
+                                      </p:to>
+                                    </p:set>
+                                    <p:anim calcmode="lin" valueType="num">
+                                      <p:cBhvr additive="base">
+                                        <p:cTn id="43" dur="500" fill="hold"/>
+                                        <p:tgtEl>
+                                          <p:spTgt spid="3">
+                                            <p:txEl>
+                                              <p:pRg st="9" end="9"/>
+                                            </p:txEl>
+                                          </p:spTgt>
+                                        </p:tgtEl>
+                                        <p:attrNameLst>
+                                          <p:attrName>ppt_x</p:attrName>
+                                        </p:attrNameLst>
+                                      </p:cBhvr>
+                                      <p:tavLst>
+                                        <p:tav tm="0">
+                                          <p:val>
+                                            <p:strVal val="#ppt_x"/>
+                                          </p:val>
+                                        </p:tav>
+                                        <p:tav tm="100000">
+                                          <p:val>
+                                            <p:strVal val="#ppt_x"/>
+                                          </p:val>
+                                        </p:tav>
+                                      </p:tavLst>
+                                    </p:anim>
+                                    <p:anim calcmode="lin" valueType="num">
+                                      <p:cBhvr additive="base">
+                                        <p:cTn id="44" dur="500" fill="hold"/>
+                                        <p:tgtEl>
+                                          <p:spTgt spid="3">
+                                            <p:txEl>
+                                              <p:pRg st="9" end="9"/>
+                                            </p:txEl>
+                                          </p:spTgt>
+                                        </p:tgtEl>
+                                        <p:attrNameLst>
+                                          <p:attrName>ppt_y</p:attrName>
+                                        </p:attrNameLst>
+                                      </p:cBhvr>
+                                      <p:tavLst>
+                                        <p:tav tm="0">
+                                          <p:val>
+                                            <p:strVal val="1+#ppt_h/2"/>
+                                          </p:val>
+                                        </p:tav>
+                                        <p:tav tm="100000">
+                                          <p:val>
+                                            <p:strVal val="#ppt_y"/>
+                                          </p:val>
+                                        </p:tav>
+                                      </p:tavLst>
+                                    </p:anim>
                                   </p:childTnLst>
                                 </p:cTn>
                               </p:par>
@@ -18958,7 +20630,7 @@
 </p:sld>
 </file>
 
-<file path=ppt/slides/slide23.xml><?xml version="1.0" encoding="utf-8"?>
+<file path=ppt/slides/slide26.xml><?xml version="1.0" encoding="utf-8"?>
 <p:sld xmlns:a="http://schemas.openxmlformats.org/drawingml/2006/main" xmlns:r="http://schemas.openxmlformats.org/officeDocument/2006/relationships" xmlns:p="http://schemas.openxmlformats.org/presentationml/2006/main">
   <p:cSld>
     <p:spTree>
@@ -18980,7 +20652,7 @@
           <p:cNvPr id="2" name="Rubrik 1">
             <a:extLst>
               <a:ext uri="{FF2B5EF4-FFF2-40B4-BE49-F238E27FC236}">
-                <a16:creationId xmlns:a16="http://schemas.microsoft.com/office/drawing/2014/main" id="{4FE2371A-F231-4860-8555-D54A9C3B1C07}"/>
+                <a16:creationId xmlns:a16="http://schemas.microsoft.com/office/drawing/2014/main" id="{D98B344C-9BC3-42D3-94A7-95A8E2EACDF5}"/>
               </a:ext>
             </a:extLst>
           </p:cNvPr>
@@ -18997,8 +20669,12 @@
           <a:lstStyle/>
           <a:p>
             <a:r>
-              <a:rPr lang="en-US" noProof="0" dirty="0"/>
-              <a:t>Hygiene</a:t>
+              <a:rPr lang="en-US" dirty="0" err="1"/>
+              <a:t>CMake</a:t>
+            </a:r>
+            <a:r>
+              <a:rPr lang="en-US" dirty="0"/>
+              <a:t> example</a:t>
             </a:r>
           </a:p>
         </p:txBody>
@@ -19008,7 +20684,7 @@
           <p:cNvPr id="3" name="Platshållare för innehåll 2">
             <a:extLst>
               <a:ext uri="{FF2B5EF4-FFF2-40B4-BE49-F238E27FC236}">
-                <a16:creationId xmlns:a16="http://schemas.microsoft.com/office/drawing/2014/main" id="{87A470FF-5209-4C2A-8B6C-F8A9C7B4FBE8}"/>
+                <a16:creationId xmlns:a16="http://schemas.microsoft.com/office/drawing/2014/main" id="{B3D97951-237A-4D47-B97A-6DDCFC494A41}"/>
               </a:ext>
             </a:extLst>
           </p:cNvPr>
@@ -19024,53 +20700,14 @@
           <a:bodyPr/>
           <a:lstStyle/>
           <a:p>
-            <a:r>
-              <a:rPr lang="en-US" noProof="0" dirty="0"/>
-              <a:t>Indentation</a:t>
-            </a:r>
-          </a:p>
-          <a:p>
-            <a:r>
-              <a:rPr lang="en-US" noProof="0" dirty="0"/>
-              <a:t>Naming</a:t>
-            </a:r>
-          </a:p>
-          <a:p>
-            <a:r>
-              <a:rPr lang="en-US" noProof="0" dirty="0"/>
-              <a:t>Style</a:t>
-            </a:r>
-          </a:p>
-          <a:p>
-            <a:r>
-              <a:rPr lang="en-US" noProof="0" dirty="0"/>
-              <a:t>Comments</a:t>
-            </a:r>
-          </a:p>
-          <a:p>
-            <a:r>
-              <a:rPr lang="en-US" noProof="0" dirty="0"/>
-              <a:t>Formatters</a:t>
-            </a:r>
-          </a:p>
-          <a:p>
-            <a:r>
-              <a:rPr lang="en-US" noProof="0" dirty="0"/>
-              <a:t>Static analyzers</a:t>
-            </a:r>
-          </a:p>
-          <a:p>
-            <a:r>
-              <a:rPr lang="en-US" noProof="0" dirty="0"/>
-              <a:t>Use the tools available!</a:t>
-            </a:r>
+            <a:endParaRPr lang="en-US"/>
           </a:p>
         </p:txBody>
       </p:sp>
     </p:spTree>
     <p:extLst>
       <p:ext uri="{BB962C8B-B14F-4D97-AF65-F5344CB8AC3E}">
-        <p14:creationId xmlns:p14="http://schemas.microsoft.com/office/powerpoint/2010/main" val="3326162543"/>
+        <p14:creationId xmlns:p14="http://schemas.microsoft.com/office/powerpoint/2010/main" val="2339598983"/>
       </p:ext>
     </p:extLst>
   </p:cSld>

--- a/presentation.pptx
+++ b/presentation.pptx
@@ -5,7 +5,7 @@
     <p:sldMasterId id="2147483648" r:id="rId1"/>
   </p:sldMasterIdLst>
   <p:notesMasterIdLst>
-    <p:notesMasterId r:id="rId31"/>
+    <p:notesMasterId r:id="rId32"/>
   </p:notesMasterIdLst>
   <p:sldIdLst>
     <p:sldId id="256" r:id="rId2"/>
@@ -35,8 +35,9 @@
     <p:sldId id="278" r:id="rId26"/>
     <p:sldId id="285" r:id="rId27"/>
     <p:sldId id="286" r:id="rId28"/>
-    <p:sldId id="283" r:id="rId29"/>
-    <p:sldId id="284" r:id="rId30"/>
+    <p:sldId id="288" r:id="rId29"/>
+    <p:sldId id="283" r:id="rId30"/>
+    <p:sldId id="284" r:id="rId31"/>
   </p:sldIdLst>
   <p:sldSz cx="12192000" cy="6858000"/>
   <p:notesSz cx="6858000" cy="9144000"/>
@@ -1303,7 +1304,7 @@
           <a:p>
             <a:fld id="{0E26204E-D3EA-4BEE-8609-2977ED48DAB5}" type="slidenum">
               <a:rPr lang="LID4096" smtClean="0"/>
-              <a:t>28</a:t>
+              <a:t>29</a:t>
             </a:fld>
             <a:endParaRPr lang="LID4096"/>
           </a:p>
@@ -23207,7 +23208,7 @@
           <a:p>
             <a:r>
               <a:rPr lang="en-US" dirty="0"/>
-              <a:t>Static analysis</a:t>
+              <a:t>Static analysis, linters</a:t>
             </a:r>
           </a:p>
         </p:txBody>
@@ -23228,16 +23229,17 @@
             <p:ph idx="1"/>
           </p:nvPr>
         </p:nvSpPr>
-        <p:spPr/>
+        <p:spPr>
+          <a:xfrm>
+            <a:off x="838200" y="1825625"/>
+            <a:ext cx="10515600" cy="4351338"/>
+          </a:xfrm>
+        </p:spPr>
         <p:txBody>
-          <a:bodyPr/>
+          <a:bodyPr>
+            <a:normAutofit/>
+          </a:bodyPr>
           <a:lstStyle/>
-          <a:p>
-            <a:r>
-              <a:rPr lang="en-US" dirty="0"/>
-              <a:t>Linters</a:t>
-            </a:r>
-          </a:p>
           <a:p>
             <a:r>
               <a:rPr lang="en-US" dirty="0" err="1"/>
@@ -23247,21 +23249,65 @@
           </a:p>
           <a:p>
             <a:r>
+              <a:rPr lang="en-US" dirty="0" err="1"/>
+              <a:t>Cppcheck</a:t>
+            </a:r>
+            <a:endParaRPr lang="en-US" dirty="0"/>
+          </a:p>
+          <a:p>
+            <a:pPr lvl="1"/>
+            <a:r>
+              <a:rPr lang="en-US" dirty="0"/>
+              <a:t>Compilation database: “ </a:t>
+            </a:r>
+            <a:r>
+              <a:rPr lang="en-US" dirty="0" err="1"/>
+              <a:t>cppcheck</a:t>
+            </a:r>
+            <a:r>
+              <a:rPr lang="en-US" dirty="0"/>
+              <a:t> --project=</a:t>
+            </a:r>
+            <a:r>
+              <a:rPr lang="en-US" dirty="0" err="1"/>
+              <a:t>compile_commands.json</a:t>
+            </a:r>
+            <a:r>
+              <a:rPr lang="en-US" dirty="0"/>
+              <a:t> --enable=all“</a:t>
+            </a:r>
+          </a:p>
+          <a:p>
+            <a:r>
+              <a:rPr lang="en-US" dirty="0"/>
+              <a:t>Scan-build</a:t>
+            </a:r>
+          </a:p>
+          <a:p>
+            <a:pPr lvl="1"/>
+            <a:r>
+              <a:rPr lang="en-US" dirty="0"/>
+              <a:t>Compilation database: “scan-build-8 -v -o . Make”</a:t>
+            </a:r>
+          </a:p>
+          <a:p>
+            <a:r>
               <a:rPr lang="en-US" dirty="0"/>
               <a:t>Clang-tidy</a:t>
             </a:r>
           </a:p>
           <a:p>
-            <a:r>
-              <a:rPr lang="en-US" dirty="0" err="1"/>
-              <a:t>Cppcheck</a:t>
-            </a:r>
-            <a:endParaRPr lang="en-US" dirty="0"/>
-          </a:p>
-          <a:p>
+            <a:pPr lvl="1"/>
             <a:r>
               <a:rPr lang="en-US" dirty="0"/>
-              <a:t>…</a:t>
+              <a:t>Like scan-build with more, e.g. style</a:t>
+            </a:r>
+          </a:p>
+          <a:p>
+            <a:pPr lvl="1"/>
+            <a:r>
+              <a:rPr lang="en-US" dirty="0"/>
+              <a:t>Compilation database: “python3 /usr/bin/run-clang-tidy-8.py -header-filter='.*' -checks='*’ “</a:t>
             </a:r>
           </a:p>
         </p:txBody>
@@ -23276,10 +23322,482 @@
   <p:clrMapOvr>
     <a:masterClrMapping/>
   </p:clrMapOvr>
+  <p:timing>
+    <p:tnLst>
+      <p:par>
+        <p:cTn id="1" dur="indefinite" restart="never" nodeType="tmRoot">
+          <p:childTnLst>
+            <p:seq concurrent="1" nextAc="seek">
+              <p:cTn id="2" dur="indefinite" nodeType="mainSeq">
+                <p:childTnLst>
+                  <p:par>
+                    <p:cTn id="3" fill="hold">
+                      <p:stCondLst>
+                        <p:cond delay="indefinite"/>
+                      </p:stCondLst>
+                      <p:childTnLst>
+                        <p:par>
+                          <p:cTn id="4" fill="hold">
+                            <p:stCondLst>
+                              <p:cond delay="0"/>
+                            </p:stCondLst>
+                            <p:childTnLst>
+                              <p:par>
+                                <p:cTn id="5" presetID="1" presetClass="entr" presetSubtype="0" fill="hold" grpId="0" nodeType="clickEffect">
+                                  <p:stCondLst>
+                                    <p:cond delay="0"/>
+                                  </p:stCondLst>
+                                  <p:childTnLst>
+                                    <p:set>
+                                      <p:cBhvr>
+                                        <p:cTn id="6" dur="1" fill="hold">
+                                          <p:stCondLst>
+                                            <p:cond delay="0"/>
+                                          </p:stCondLst>
+                                        </p:cTn>
+                                        <p:tgtEl>
+                                          <p:spTgt spid="3">
+                                            <p:txEl>
+                                              <p:pRg st="0" end="0"/>
+                                            </p:txEl>
+                                          </p:spTgt>
+                                        </p:tgtEl>
+                                        <p:attrNameLst>
+                                          <p:attrName>style.visibility</p:attrName>
+                                        </p:attrNameLst>
+                                      </p:cBhvr>
+                                      <p:to>
+                                        <p:strVal val="visible"/>
+                                      </p:to>
+                                    </p:set>
+                                  </p:childTnLst>
+                                </p:cTn>
+                              </p:par>
+                            </p:childTnLst>
+                          </p:cTn>
+                        </p:par>
+                      </p:childTnLst>
+                    </p:cTn>
+                  </p:par>
+                  <p:par>
+                    <p:cTn id="7" fill="hold">
+                      <p:stCondLst>
+                        <p:cond delay="indefinite"/>
+                      </p:stCondLst>
+                      <p:childTnLst>
+                        <p:par>
+                          <p:cTn id="8" fill="hold">
+                            <p:stCondLst>
+                              <p:cond delay="0"/>
+                            </p:stCondLst>
+                            <p:childTnLst>
+                              <p:par>
+                                <p:cTn id="9" presetID="1" presetClass="entr" presetSubtype="0" fill="hold" grpId="0" nodeType="clickEffect">
+                                  <p:stCondLst>
+                                    <p:cond delay="0"/>
+                                  </p:stCondLst>
+                                  <p:childTnLst>
+                                    <p:set>
+                                      <p:cBhvr>
+                                        <p:cTn id="10" dur="1" fill="hold">
+                                          <p:stCondLst>
+                                            <p:cond delay="0"/>
+                                          </p:stCondLst>
+                                        </p:cTn>
+                                        <p:tgtEl>
+                                          <p:spTgt spid="3">
+                                            <p:txEl>
+                                              <p:pRg st="1" end="1"/>
+                                            </p:txEl>
+                                          </p:spTgt>
+                                        </p:tgtEl>
+                                        <p:attrNameLst>
+                                          <p:attrName>style.visibility</p:attrName>
+                                        </p:attrNameLst>
+                                      </p:cBhvr>
+                                      <p:to>
+                                        <p:strVal val="visible"/>
+                                      </p:to>
+                                    </p:set>
+                                  </p:childTnLst>
+                                </p:cTn>
+                              </p:par>
+                              <p:par>
+                                <p:cTn id="11" presetID="1" presetClass="entr" presetSubtype="0" fill="hold" grpId="0" nodeType="withEffect">
+                                  <p:stCondLst>
+                                    <p:cond delay="0"/>
+                                  </p:stCondLst>
+                                  <p:childTnLst>
+                                    <p:set>
+                                      <p:cBhvr>
+                                        <p:cTn id="12" dur="1" fill="hold">
+                                          <p:stCondLst>
+                                            <p:cond delay="0"/>
+                                          </p:stCondLst>
+                                        </p:cTn>
+                                        <p:tgtEl>
+                                          <p:spTgt spid="3">
+                                            <p:txEl>
+                                              <p:pRg st="2" end="2"/>
+                                            </p:txEl>
+                                          </p:spTgt>
+                                        </p:tgtEl>
+                                        <p:attrNameLst>
+                                          <p:attrName>style.visibility</p:attrName>
+                                        </p:attrNameLst>
+                                      </p:cBhvr>
+                                      <p:to>
+                                        <p:strVal val="visible"/>
+                                      </p:to>
+                                    </p:set>
+                                  </p:childTnLst>
+                                </p:cTn>
+                              </p:par>
+                            </p:childTnLst>
+                          </p:cTn>
+                        </p:par>
+                      </p:childTnLst>
+                    </p:cTn>
+                  </p:par>
+                  <p:par>
+                    <p:cTn id="13" fill="hold">
+                      <p:stCondLst>
+                        <p:cond delay="indefinite"/>
+                      </p:stCondLst>
+                      <p:childTnLst>
+                        <p:par>
+                          <p:cTn id="14" fill="hold">
+                            <p:stCondLst>
+                              <p:cond delay="0"/>
+                            </p:stCondLst>
+                            <p:childTnLst>
+                              <p:par>
+                                <p:cTn id="15" presetID="1" presetClass="entr" presetSubtype="0" fill="hold" grpId="0" nodeType="clickEffect">
+                                  <p:stCondLst>
+                                    <p:cond delay="0"/>
+                                  </p:stCondLst>
+                                  <p:childTnLst>
+                                    <p:set>
+                                      <p:cBhvr>
+                                        <p:cTn id="16" dur="1" fill="hold">
+                                          <p:stCondLst>
+                                            <p:cond delay="0"/>
+                                          </p:stCondLst>
+                                        </p:cTn>
+                                        <p:tgtEl>
+                                          <p:spTgt spid="3">
+                                            <p:txEl>
+                                              <p:pRg st="3" end="3"/>
+                                            </p:txEl>
+                                          </p:spTgt>
+                                        </p:tgtEl>
+                                        <p:attrNameLst>
+                                          <p:attrName>style.visibility</p:attrName>
+                                        </p:attrNameLst>
+                                      </p:cBhvr>
+                                      <p:to>
+                                        <p:strVal val="visible"/>
+                                      </p:to>
+                                    </p:set>
+                                  </p:childTnLst>
+                                </p:cTn>
+                              </p:par>
+                              <p:par>
+                                <p:cTn id="17" presetID="1" presetClass="entr" presetSubtype="0" fill="hold" grpId="0" nodeType="withEffect">
+                                  <p:stCondLst>
+                                    <p:cond delay="0"/>
+                                  </p:stCondLst>
+                                  <p:childTnLst>
+                                    <p:set>
+                                      <p:cBhvr>
+                                        <p:cTn id="18" dur="1" fill="hold">
+                                          <p:stCondLst>
+                                            <p:cond delay="0"/>
+                                          </p:stCondLst>
+                                        </p:cTn>
+                                        <p:tgtEl>
+                                          <p:spTgt spid="3">
+                                            <p:txEl>
+                                              <p:pRg st="4" end="4"/>
+                                            </p:txEl>
+                                          </p:spTgt>
+                                        </p:tgtEl>
+                                        <p:attrNameLst>
+                                          <p:attrName>style.visibility</p:attrName>
+                                        </p:attrNameLst>
+                                      </p:cBhvr>
+                                      <p:to>
+                                        <p:strVal val="visible"/>
+                                      </p:to>
+                                    </p:set>
+                                  </p:childTnLst>
+                                </p:cTn>
+                              </p:par>
+                            </p:childTnLst>
+                          </p:cTn>
+                        </p:par>
+                      </p:childTnLst>
+                    </p:cTn>
+                  </p:par>
+                  <p:par>
+                    <p:cTn id="19" fill="hold">
+                      <p:stCondLst>
+                        <p:cond delay="indefinite"/>
+                      </p:stCondLst>
+                      <p:childTnLst>
+                        <p:par>
+                          <p:cTn id="20" fill="hold">
+                            <p:stCondLst>
+                              <p:cond delay="0"/>
+                            </p:stCondLst>
+                            <p:childTnLst>
+                              <p:par>
+                                <p:cTn id="21" presetID="1" presetClass="entr" presetSubtype="0" fill="hold" grpId="0" nodeType="clickEffect">
+                                  <p:stCondLst>
+                                    <p:cond delay="0"/>
+                                  </p:stCondLst>
+                                  <p:childTnLst>
+                                    <p:set>
+                                      <p:cBhvr>
+                                        <p:cTn id="22" dur="1" fill="hold">
+                                          <p:stCondLst>
+                                            <p:cond delay="0"/>
+                                          </p:stCondLst>
+                                        </p:cTn>
+                                        <p:tgtEl>
+                                          <p:spTgt spid="3">
+                                            <p:txEl>
+                                              <p:pRg st="5" end="5"/>
+                                            </p:txEl>
+                                          </p:spTgt>
+                                        </p:tgtEl>
+                                        <p:attrNameLst>
+                                          <p:attrName>style.visibility</p:attrName>
+                                        </p:attrNameLst>
+                                      </p:cBhvr>
+                                      <p:to>
+                                        <p:strVal val="visible"/>
+                                      </p:to>
+                                    </p:set>
+                                  </p:childTnLst>
+                                </p:cTn>
+                              </p:par>
+                              <p:par>
+                                <p:cTn id="23" presetID="1" presetClass="entr" presetSubtype="0" fill="hold" grpId="0" nodeType="withEffect">
+                                  <p:stCondLst>
+                                    <p:cond delay="0"/>
+                                  </p:stCondLst>
+                                  <p:childTnLst>
+                                    <p:set>
+                                      <p:cBhvr>
+                                        <p:cTn id="24" dur="1" fill="hold">
+                                          <p:stCondLst>
+                                            <p:cond delay="0"/>
+                                          </p:stCondLst>
+                                        </p:cTn>
+                                        <p:tgtEl>
+                                          <p:spTgt spid="3">
+                                            <p:txEl>
+                                              <p:pRg st="6" end="6"/>
+                                            </p:txEl>
+                                          </p:spTgt>
+                                        </p:tgtEl>
+                                        <p:attrNameLst>
+                                          <p:attrName>style.visibility</p:attrName>
+                                        </p:attrNameLst>
+                                      </p:cBhvr>
+                                      <p:to>
+                                        <p:strVal val="visible"/>
+                                      </p:to>
+                                    </p:set>
+                                  </p:childTnLst>
+                                </p:cTn>
+                              </p:par>
+                              <p:par>
+                                <p:cTn id="25" presetID="1" presetClass="entr" presetSubtype="0" fill="hold" grpId="0" nodeType="withEffect">
+                                  <p:stCondLst>
+                                    <p:cond delay="0"/>
+                                  </p:stCondLst>
+                                  <p:childTnLst>
+                                    <p:set>
+                                      <p:cBhvr>
+                                        <p:cTn id="26" dur="1" fill="hold">
+                                          <p:stCondLst>
+                                            <p:cond delay="0"/>
+                                          </p:stCondLst>
+                                        </p:cTn>
+                                        <p:tgtEl>
+                                          <p:spTgt spid="3">
+                                            <p:txEl>
+                                              <p:pRg st="7" end="7"/>
+                                            </p:txEl>
+                                          </p:spTgt>
+                                        </p:tgtEl>
+                                        <p:attrNameLst>
+                                          <p:attrName>style.visibility</p:attrName>
+                                        </p:attrNameLst>
+                                      </p:cBhvr>
+                                      <p:to>
+                                        <p:strVal val="visible"/>
+                                      </p:to>
+                                    </p:set>
+                                  </p:childTnLst>
+                                </p:cTn>
+                              </p:par>
+                            </p:childTnLst>
+                          </p:cTn>
+                        </p:par>
+                      </p:childTnLst>
+                    </p:cTn>
+                  </p:par>
+                </p:childTnLst>
+              </p:cTn>
+              <p:prevCondLst>
+                <p:cond evt="onPrev" delay="0">
+                  <p:tgtEl>
+                    <p:sldTgt/>
+                  </p:tgtEl>
+                </p:cond>
+              </p:prevCondLst>
+              <p:nextCondLst>
+                <p:cond evt="onNext" delay="0">
+                  <p:tgtEl>
+                    <p:sldTgt/>
+                  </p:tgtEl>
+                </p:cond>
+              </p:nextCondLst>
+            </p:seq>
+          </p:childTnLst>
+        </p:cTn>
+      </p:par>
+    </p:tnLst>
+    <p:bldLst>
+      <p:bldP spid="3" grpId="0" build="p"/>
+    </p:bldLst>
+  </p:timing>
 </p:sld>
 </file>
 
 <file path=ppt/slides/slide28.xml><?xml version="1.0" encoding="utf-8"?>
+<p:sld xmlns:a="http://schemas.openxmlformats.org/drawingml/2006/main" xmlns:r="http://schemas.openxmlformats.org/officeDocument/2006/relationships" xmlns:p="http://schemas.openxmlformats.org/presentationml/2006/main">
+  <p:cSld>
+    <p:spTree>
+      <p:nvGrpSpPr>
+        <p:cNvPr id="1" name=""/>
+        <p:cNvGrpSpPr/>
+        <p:nvPr/>
+      </p:nvGrpSpPr>
+      <p:grpSpPr>
+        <a:xfrm>
+          <a:off x="0" y="0"/>
+          <a:ext cx="0" cy="0"/>
+          <a:chOff x="0" y="0"/>
+          <a:chExt cx="0" cy="0"/>
+        </a:xfrm>
+      </p:grpSpPr>
+      <p:sp>
+        <p:nvSpPr>
+          <p:cNvPr id="2" name="Rubrik 1">
+            <a:extLst>
+              <a:ext uri="{FF2B5EF4-FFF2-40B4-BE49-F238E27FC236}">
+                <a16:creationId xmlns:a16="http://schemas.microsoft.com/office/drawing/2014/main" id="{6AF3C58F-B0BF-4532-859A-5D8DE012BF47}"/>
+              </a:ext>
+            </a:extLst>
+          </p:cNvPr>
+          <p:cNvSpPr>
+            <a:spLocks noGrp="1"/>
+          </p:cNvSpPr>
+          <p:nvPr>
+            <p:ph type="title"/>
+          </p:nvPr>
+        </p:nvSpPr>
+        <p:spPr/>
+        <p:txBody>
+          <a:bodyPr/>
+          <a:lstStyle/>
+          <a:p>
+            <a:r>
+              <a:rPr lang="en-US" dirty="0"/>
+              <a:t>Nice code</a:t>
+            </a:r>
+          </a:p>
+        </p:txBody>
+      </p:sp>
+      <p:sp>
+        <p:nvSpPr>
+          <p:cNvPr id="3" name="Platshållare för innehåll 2">
+            <a:extLst>
+              <a:ext uri="{FF2B5EF4-FFF2-40B4-BE49-F238E27FC236}">
+                <a16:creationId xmlns:a16="http://schemas.microsoft.com/office/drawing/2014/main" id="{B13A9648-B1A2-4A0B-8CAD-61A31239A93A}"/>
+              </a:ext>
+            </a:extLst>
+          </p:cNvPr>
+          <p:cNvSpPr>
+            <a:spLocks noGrp="1"/>
+          </p:cNvSpPr>
+          <p:nvPr>
+            <p:ph idx="1"/>
+          </p:nvPr>
+        </p:nvSpPr>
+        <p:spPr/>
+        <p:txBody>
+          <a:bodyPr/>
+          <a:lstStyle/>
+          <a:p>
+            <a:r>
+              <a:rPr lang="en-US" dirty="0"/>
+              <a:t>E.g. clang-format</a:t>
+            </a:r>
+          </a:p>
+          <a:p>
+            <a:r>
+              <a:rPr lang="en-US" dirty="0"/>
+              <a:t>Looks for a config file in parent-folders (.clang-tidy)</a:t>
+            </a:r>
+          </a:p>
+          <a:p>
+            <a:pPr lvl="1"/>
+            <a:r>
+              <a:rPr lang="en-US" dirty="0"/>
+              <a:t>clang-format  -style=</a:t>
+            </a:r>
+            <a:r>
+              <a:rPr lang="en-US" dirty="0" err="1"/>
+              <a:t>webkit</a:t>
+            </a:r>
+            <a:r>
+              <a:rPr lang="en-US" dirty="0"/>
+              <a:t> --dump-config &gt; clang-format</a:t>
+            </a:r>
+          </a:p>
+          <a:p>
+            <a:pPr lvl="1"/>
+            <a:r>
+              <a:rPr lang="en-US" dirty="0"/>
+              <a:t>git-clang-format (</a:t>
+            </a:r>
+            <a:r>
+              <a:rPr lang="en-US"/>
+              <a:t>changes staged files)</a:t>
+            </a:r>
+            <a:endParaRPr lang="en-US" dirty="0"/>
+          </a:p>
+        </p:txBody>
+      </p:sp>
+    </p:spTree>
+    <p:extLst>
+      <p:ext uri="{BB962C8B-B14F-4D97-AF65-F5344CB8AC3E}">
+        <p14:creationId xmlns:p14="http://schemas.microsoft.com/office/powerpoint/2010/main" val="3286482577"/>
+      </p:ext>
+    </p:extLst>
+  </p:cSld>
+  <p:clrMapOvr>
+    <a:masterClrMapping/>
+  </p:clrMapOvr>
+</p:sld>
+</file>
+
+<file path=ppt/slides/slide29.xml><?xml version="1.0" encoding="utf-8"?>
 <p:sld xmlns:a="http://schemas.openxmlformats.org/drawingml/2006/main" xmlns:r="http://schemas.openxmlformats.org/officeDocument/2006/relationships" xmlns:p="http://schemas.openxmlformats.org/presentationml/2006/main">
   <p:cSld>
     <p:spTree>
@@ -24212,93 +24730,6 @@
 </p:sld>
 </file>
 
-<file path=ppt/slides/slide29.xml><?xml version="1.0" encoding="utf-8"?>
-<p:sld xmlns:a="http://schemas.openxmlformats.org/drawingml/2006/main" xmlns:r="http://schemas.openxmlformats.org/officeDocument/2006/relationships" xmlns:p="http://schemas.openxmlformats.org/presentationml/2006/main">
-  <p:cSld>
-    <p:spTree>
-      <p:nvGrpSpPr>
-        <p:cNvPr id="1" name=""/>
-        <p:cNvGrpSpPr/>
-        <p:nvPr/>
-      </p:nvGrpSpPr>
-      <p:grpSpPr>
-        <a:xfrm>
-          <a:off x="0" y="0"/>
-          <a:ext cx="0" cy="0"/>
-          <a:chOff x="0" y="0"/>
-          <a:chExt cx="0" cy="0"/>
-        </a:xfrm>
-      </p:grpSpPr>
-      <p:sp>
-        <p:nvSpPr>
-          <p:cNvPr id="2" name="Rubrik 1">
-            <a:extLst>
-              <a:ext uri="{FF2B5EF4-FFF2-40B4-BE49-F238E27FC236}">
-                <a16:creationId xmlns:a16="http://schemas.microsoft.com/office/drawing/2014/main" id="{D98B344C-9BC3-42D3-94A7-95A8E2EACDF5}"/>
-              </a:ext>
-            </a:extLst>
-          </p:cNvPr>
-          <p:cNvSpPr>
-            <a:spLocks noGrp="1"/>
-          </p:cNvSpPr>
-          <p:nvPr>
-            <p:ph type="title"/>
-          </p:nvPr>
-        </p:nvSpPr>
-        <p:spPr/>
-        <p:txBody>
-          <a:bodyPr/>
-          <a:lstStyle/>
-          <a:p>
-            <a:r>
-              <a:rPr lang="en-US" dirty="0" err="1"/>
-              <a:t>CMake</a:t>
-            </a:r>
-            <a:r>
-              <a:rPr lang="en-US" dirty="0"/>
-              <a:t> example</a:t>
-            </a:r>
-          </a:p>
-        </p:txBody>
-      </p:sp>
-      <p:sp>
-        <p:nvSpPr>
-          <p:cNvPr id="3" name="Platshållare för innehåll 2">
-            <a:extLst>
-              <a:ext uri="{FF2B5EF4-FFF2-40B4-BE49-F238E27FC236}">
-                <a16:creationId xmlns:a16="http://schemas.microsoft.com/office/drawing/2014/main" id="{B3D97951-237A-4D47-B97A-6DDCFC494A41}"/>
-              </a:ext>
-            </a:extLst>
-          </p:cNvPr>
-          <p:cNvSpPr>
-            <a:spLocks noGrp="1"/>
-          </p:cNvSpPr>
-          <p:nvPr>
-            <p:ph idx="1"/>
-          </p:nvPr>
-        </p:nvSpPr>
-        <p:spPr/>
-        <p:txBody>
-          <a:bodyPr/>
-          <a:lstStyle/>
-          <a:p>
-            <a:endParaRPr lang="en-US"/>
-          </a:p>
-        </p:txBody>
-      </p:sp>
-    </p:spTree>
-    <p:extLst>
-      <p:ext uri="{BB962C8B-B14F-4D97-AF65-F5344CB8AC3E}">
-        <p14:creationId xmlns:p14="http://schemas.microsoft.com/office/powerpoint/2010/main" val="2339598983"/>
-      </p:ext>
-    </p:extLst>
-  </p:cSld>
-  <p:clrMapOvr>
-    <a:masterClrMapping/>
-  </p:clrMapOvr>
-</p:sld>
-</file>
-
 <file path=ppt/slides/slide3.xml><?xml version="1.0" encoding="utf-8"?>
 <p:sld xmlns:a="http://schemas.openxmlformats.org/drawingml/2006/main" xmlns:r="http://schemas.openxmlformats.org/officeDocument/2006/relationships" xmlns:p="http://schemas.openxmlformats.org/presentationml/2006/main">
   <p:cSld>
@@ -24866,6 +25297,93 @@
       </p:par>
     </p:tnLst>
   </p:timing>
+</p:sld>
+</file>
+
+<file path=ppt/slides/slide30.xml><?xml version="1.0" encoding="utf-8"?>
+<p:sld xmlns:a="http://schemas.openxmlformats.org/drawingml/2006/main" xmlns:r="http://schemas.openxmlformats.org/officeDocument/2006/relationships" xmlns:p="http://schemas.openxmlformats.org/presentationml/2006/main">
+  <p:cSld>
+    <p:spTree>
+      <p:nvGrpSpPr>
+        <p:cNvPr id="1" name=""/>
+        <p:cNvGrpSpPr/>
+        <p:nvPr/>
+      </p:nvGrpSpPr>
+      <p:grpSpPr>
+        <a:xfrm>
+          <a:off x="0" y="0"/>
+          <a:ext cx="0" cy="0"/>
+          <a:chOff x="0" y="0"/>
+          <a:chExt cx="0" cy="0"/>
+        </a:xfrm>
+      </p:grpSpPr>
+      <p:sp>
+        <p:nvSpPr>
+          <p:cNvPr id="2" name="Rubrik 1">
+            <a:extLst>
+              <a:ext uri="{FF2B5EF4-FFF2-40B4-BE49-F238E27FC236}">
+                <a16:creationId xmlns:a16="http://schemas.microsoft.com/office/drawing/2014/main" id="{D98B344C-9BC3-42D3-94A7-95A8E2EACDF5}"/>
+              </a:ext>
+            </a:extLst>
+          </p:cNvPr>
+          <p:cNvSpPr>
+            <a:spLocks noGrp="1"/>
+          </p:cNvSpPr>
+          <p:nvPr>
+            <p:ph type="title"/>
+          </p:nvPr>
+        </p:nvSpPr>
+        <p:spPr/>
+        <p:txBody>
+          <a:bodyPr/>
+          <a:lstStyle/>
+          <a:p>
+            <a:r>
+              <a:rPr lang="en-US" dirty="0" err="1"/>
+              <a:t>CMake</a:t>
+            </a:r>
+            <a:r>
+              <a:rPr lang="en-US" dirty="0"/>
+              <a:t> example</a:t>
+            </a:r>
+          </a:p>
+        </p:txBody>
+      </p:sp>
+      <p:sp>
+        <p:nvSpPr>
+          <p:cNvPr id="3" name="Platshållare för innehåll 2">
+            <a:extLst>
+              <a:ext uri="{FF2B5EF4-FFF2-40B4-BE49-F238E27FC236}">
+                <a16:creationId xmlns:a16="http://schemas.microsoft.com/office/drawing/2014/main" id="{B3D97951-237A-4D47-B97A-6DDCFC494A41}"/>
+              </a:ext>
+            </a:extLst>
+          </p:cNvPr>
+          <p:cNvSpPr>
+            <a:spLocks noGrp="1"/>
+          </p:cNvSpPr>
+          <p:nvPr>
+            <p:ph idx="1"/>
+          </p:nvPr>
+        </p:nvSpPr>
+        <p:spPr/>
+        <p:txBody>
+          <a:bodyPr/>
+          <a:lstStyle/>
+          <a:p>
+            <a:endParaRPr lang="en-US"/>
+          </a:p>
+        </p:txBody>
+      </p:sp>
+    </p:spTree>
+    <p:extLst>
+      <p:ext uri="{BB962C8B-B14F-4D97-AF65-F5344CB8AC3E}">
+        <p14:creationId xmlns:p14="http://schemas.microsoft.com/office/powerpoint/2010/main" val="2339598983"/>
+      </p:ext>
+    </p:extLst>
+  </p:cSld>
+  <p:clrMapOvr>
+    <a:masterClrMapping/>
+  </p:clrMapOvr>
 </p:sld>
 </file>
 

--- a/presentation.pptx
+++ b/presentation.pptx
@@ -23774,13 +23774,84 @@
             <a:pPr lvl="1"/>
             <a:r>
               <a:rPr lang="en-US" dirty="0"/>
-              <a:t>git-clang-format (</a:t>
+              <a:t>git-clang-format </a:t>
+            </a:r>
+          </a:p>
+          <a:p>
+            <a:pPr lvl="2"/>
+            <a:r>
+              <a:rPr lang="en-US" dirty="0"/>
+              <a:t>Changes staged files</a:t>
+            </a:r>
+          </a:p>
+          <a:p>
+            <a:pPr lvl="1"/>
+            <a:r>
+              <a:rPr lang="en-US" dirty="0"/>
+              <a:t>clang-format –</a:t>
+            </a:r>
+            <a:r>
+              <a:rPr lang="en-US" dirty="0" err="1"/>
+              <a:t>i</a:t>
+            </a:r>
+            <a:r>
+              <a:rPr lang="en-US" dirty="0"/>
+              <a:t> a/b/c/</a:t>
+            </a:r>
+            <a:r>
+              <a:rPr lang="en-US" dirty="0" err="1"/>
+              <a:t>foo.c</a:t>
+            </a:r>
+            <a:endParaRPr lang="en-US" dirty="0"/>
+          </a:p>
+          <a:p>
+            <a:pPr lvl="2"/>
+            <a:r>
+              <a:rPr lang="en-US" dirty="0"/>
+              <a:t>Changes in the file, w/o –</a:t>
+            </a:r>
+            <a:r>
+              <a:rPr lang="en-US" dirty="0" err="1"/>
+              <a:t>i</a:t>
+            </a:r>
+            <a:r>
+              <a:rPr lang="en-US" dirty="0"/>
+              <a:t> changes printed to </a:t>
             </a:r>
             <a:r>
               <a:rPr lang="en-US"/>
-              <a:t>changes staged files)</a:t>
+              <a:t>stdout</a:t>
             </a:r>
             <a:endParaRPr lang="en-US" dirty="0"/>
+          </a:p>
+          <a:p>
+            <a:pPr lvl="1"/>
+            <a:r>
+              <a:rPr lang="en-US" dirty="0"/>
+              <a:t>clang-format –</a:t>
+            </a:r>
+            <a:r>
+              <a:rPr lang="en-US" dirty="0" err="1"/>
+              <a:t>i</a:t>
+            </a:r>
+            <a:r>
+              <a:rPr lang="en-US" dirty="0"/>
+              <a:t> **.h</a:t>
+            </a:r>
+          </a:p>
+          <a:p>
+            <a:pPr lvl="2"/>
+            <a:r>
+              <a:rPr lang="en-US" dirty="0"/>
+              <a:t>Finds all h-files recursively, including any build-folders….</a:t>
+            </a:r>
+          </a:p>
+          <a:p>
+            <a:pPr lvl="1"/>
+            <a:r>
+              <a:rPr lang="en-US" dirty="0"/>
+              <a:t>Compile commands integration?</a:t>
+            </a:r>
           </a:p>
         </p:txBody>
       </p:sp>
@@ -23794,6 +23865,472 @@
   <p:clrMapOvr>
     <a:masterClrMapping/>
   </p:clrMapOvr>
+  <p:timing>
+    <p:tnLst>
+      <p:par>
+        <p:cTn id="1" dur="indefinite" restart="never" nodeType="tmRoot">
+          <p:childTnLst>
+            <p:seq concurrent="1" nextAc="seek">
+              <p:cTn id="2" dur="indefinite" nodeType="mainSeq">
+                <p:childTnLst>
+                  <p:par>
+                    <p:cTn id="3" fill="hold">
+                      <p:stCondLst>
+                        <p:cond delay="indefinite"/>
+                      </p:stCondLst>
+                      <p:childTnLst>
+                        <p:par>
+                          <p:cTn id="4" fill="hold">
+                            <p:stCondLst>
+                              <p:cond delay="0"/>
+                            </p:stCondLst>
+                            <p:childTnLst>
+                              <p:par>
+                                <p:cTn id="5" presetID="1" presetClass="entr" presetSubtype="0" fill="hold" nodeType="clickEffect">
+                                  <p:stCondLst>
+                                    <p:cond delay="0"/>
+                                  </p:stCondLst>
+                                  <p:childTnLst>
+                                    <p:set>
+                                      <p:cBhvr>
+                                        <p:cTn id="6" dur="1" fill="hold">
+                                          <p:stCondLst>
+                                            <p:cond delay="0"/>
+                                          </p:stCondLst>
+                                        </p:cTn>
+                                        <p:tgtEl>
+                                          <p:spTgt spid="3">
+                                            <p:txEl>
+                                              <p:pRg st="0" end="0"/>
+                                            </p:txEl>
+                                          </p:spTgt>
+                                        </p:tgtEl>
+                                        <p:attrNameLst>
+                                          <p:attrName>style.visibility</p:attrName>
+                                        </p:attrNameLst>
+                                      </p:cBhvr>
+                                      <p:to>
+                                        <p:strVal val="visible"/>
+                                      </p:to>
+                                    </p:set>
+                                  </p:childTnLst>
+                                </p:cTn>
+                              </p:par>
+                            </p:childTnLst>
+                          </p:cTn>
+                        </p:par>
+                      </p:childTnLst>
+                    </p:cTn>
+                  </p:par>
+                  <p:par>
+                    <p:cTn id="7" fill="hold">
+                      <p:stCondLst>
+                        <p:cond delay="indefinite"/>
+                      </p:stCondLst>
+                      <p:childTnLst>
+                        <p:par>
+                          <p:cTn id="8" fill="hold">
+                            <p:stCondLst>
+                              <p:cond delay="0"/>
+                            </p:stCondLst>
+                            <p:childTnLst>
+                              <p:par>
+                                <p:cTn id="9" presetID="1" presetClass="entr" presetSubtype="0" fill="hold" nodeType="clickEffect">
+                                  <p:stCondLst>
+                                    <p:cond delay="0"/>
+                                  </p:stCondLst>
+                                  <p:childTnLst>
+                                    <p:set>
+                                      <p:cBhvr>
+                                        <p:cTn id="10" dur="1" fill="hold">
+                                          <p:stCondLst>
+                                            <p:cond delay="0"/>
+                                          </p:stCondLst>
+                                        </p:cTn>
+                                        <p:tgtEl>
+                                          <p:spTgt spid="3">
+                                            <p:txEl>
+                                              <p:pRg st="1" end="1"/>
+                                            </p:txEl>
+                                          </p:spTgt>
+                                        </p:tgtEl>
+                                        <p:attrNameLst>
+                                          <p:attrName>style.visibility</p:attrName>
+                                        </p:attrNameLst>
+                                      </p:cBhvr>
+                                      <p:to>
+                                        <p:strVal val="visible"/>
+                                      </p:to>
+                                    </p:set>
+                                  </p:childTnLst>
+                                </p:cTn>
+                              </p:par>
+                            </p:childTnLst>
+                          </p:cTn>
+                        </p:par>
+                      </p:childTnLst>
+                    </p:cTn>
+                  </p:par>
+                  <p:par>
+                    <p:cTn id="11" fill="hold">
+                      <p:stCondLst>
+                        <p:cond delay="indefinite"/>
+                      </p:stCondLst>
+                      <p:childTnLst>
+                        <p:par>
+                          <p:cTn id="12" fill="hold">
+                            <p:stCondLst>
+                              <p:cond delay="0"/>
+                            </p:stCondLst>
+                            <p:childTnLst>
+                              <p:par>
+                                <p:cTn id="13" presetID="1" presetClass="entr" presetSubtype="0" fill="hold" nodeType="clickEffect">
+                                  <p:stCondLst>
+                                    <p:cond delay="0"/>
+                                  </p:stCondLst>
+                                  <p:childTnLst>
+                                    <p:set>
+                                      <p:cBhvr>
+                                        <p:cTn id="14" dur="1" fill="hold">
+                                          <p:stCondLst>
+                                            <p:cond delay="0"/>
+                                          </p:stCondLst>
+                                        </p:cTn>
+                                        <p:tgtEl>
+                                          <p:spTgt spid="3">
+                                            <p:txEl>
+                                              <p:pRg st="2" end="2"/>
+                                            </p:txEl>
+                                          </p:spTgt>
+                                        </p:tgtEl>
+                                        <p:attrNameLst>
+                                          <p:attrName>style.visibility</p:attrName>
+                                        </p:attrNameLst>
+                                      </p:cBhvr>
+                                      <p:to>
+                                        <p:strVal val="visible"/>
+                                      </p:to>
+                                    </p:set>
+                                  </p:childTnLst>
+                                </p:cTn>
+                              </p:par>
+                            </p:childTnLst>
+                          </p:cTn>
+                        </p:par>
+                      </p:childTnLst>
+                    </p:cTn>
+                  </p:par>
+                  <p:par>
+                    <p:cTn id="15" fill="hold">
+                      <p:stCondLst>
+                        <p:cond delay="indefinite"/>
+                      </p:stCondLst>
+                      <p:childTnLst>
+                        <p:par>
+                          <p:cTn id="16" fill="hold">
+                            <p:stCondLst>
+                              <p:cond delay="0"/>
+                            </p:stCondLst>
+                            <p:childTnLst>
+                              <p:par>
+                                <p:cTn id="17" presetID="1" presetClass="entr" presetSubtype="0" fill="hold" nodeType="clickEffect">
+                                  <p:stCondLst>
+                                    <p:cond delay="0"/>
+                                  </p:stCondLst>
+                                  <p:childTnLst>
+                                    <p:set>
+                                      <p:cBhvr>
+                                        <p:cTn id="18" dur="1" fill="hold">
+                                          <p:stCondLst>
+                                            <p:cond delay="0"/>
+                                          </p:stCondLst>
+                                        </p:cTn>
+                                        <p:tgtEl>
+                                          <p:spTgt spid="3">
+                                            <p:txEl>
+                                              <p:pRg st="3" end="3"/>
+                                            </p:txEl>
+                                          </p:spTgt>
+                                        </p:tgtEl>
+                                        <p:attrNameLst>
+                                          <p:attrName>style.visibility</p:attrName>
+                                        </p:attrNameLst>
+                                      </p:cBhvr>
+                                      <p:to>
+                                        <p:strVal val="visible"/>
+                                      </p:to>
+                                    </p:set>
+                                  </p:childTnLst>
+                                </p:cTn>
+                              </p:par>
+                              <p:par>
+                                <p:cTn id="19" presetID="1" presetClass="entr" presetSubtype="0" fill="hold" nodeType="withEffect">
+                                  <p:stCondLst>
+                                    <p:cond delay="0"/>
+                                  </p:stCondLst>
+                                  <p:childTnLst>
+                                    <p:set>
+                                      <p:cBhvr>
+                                        <p:cTn id="20" dur="1" fill="hold">
+                                          <p:stCondLst>
+                                            <p:cond delay="0"/>
+                                          </p:stCondLst>
+                                        </p:cTn>
+                                        <p:tgtEl>
+                                          <p:spTgt spid="3">
+                                            <p:txEl>
+                                              <p:pRg st="4" end="4"/>
+                                            </p:txEl>
+                                          </p:spTgt>
+                                        </p:tgtEl>
+                                        <p:attrNameLst>
+                                          <p:attrName>style.visibility</p:attrName>
+                                        </p:attrNameLst>
+                                      </p:cBhvr>
+                                      <p:to>
+                                        <p:strVal val="visible"/>
+                                      </p:to>
+                                    </p:set>
+                                  </p:childTnLst>
+                                </p:cTn>
+                              </p:par>
+                            </p:childTnLst>
+                          </p:cTn>
+                        </p:par>
+                      </p:childTnLst>
+                    </p:cTn>
+                  </p:par>
+                  <p:par>
+                    <p:cTn id="21" fill="hold">
+                      <p:stCondLst>
+                        <p:cond delay="indefinite"/>
+                      </p:stCondLst>
+                      <p:childTnLst>
+                        <p:par>
+                          <p:cTn id="22" fill="hold">
+                            <p:stCondLst>
+                              <p:cond delay="0"/>
+                            </p:stCondLst>
+                            <p:childTnLst>
+                              <p:par>
+                                <p:cTn id="23" presetID="1" presetClass="entr" presetSubtype="0" fill="hold" nodeType="clickEffect">
+                                  <p:stCondLst>
+                                    <p:cond delay="0"/>
+                                  </p:stCondLst>
+                                  <p:childTnLst>
+                                    <p:set>
+                                      <p:cBhvr>
+                                        <p:cTn id="24" dur="1" fill="hold">
+                                          <p:stCondLst>
+                                            <p:cond delay="0"/>
+                                          </p:stCondLst>
+                                        </p:cTn>
+                                        <p:tgtEl>
+                                          <p:spTgt spid="3">
+                                            <p:txEl>
+                                              <p:pRg st="5" end="5"/>
+                                            </p:txEl>
+                                          </p:spTgt>
+                                        </p:tgtEl>
+                                        <p:attrNameLst>
+                                          <p:attrName>style.visibility</p:attrName>
+                                        </p:attrNameLst>
+                                      </p:cBhvr>
+                                      <p:to>
+                                        <p:strVal val="visible"/>
+                                      </p:to>
+                                    </p:set>
+                                  </p:childTnLst>
+                                </p:cTn>
+                              </p:par>
+                              <p:par>
+                                <p:cTn id="25" presetID="1" presetClass="entr" presetSubtype="0" fill="hold" nodeType="withEffect">
+                                  <p:stCondLst>
+                                    <p:cond delay="0"/>
+                                  </p:stCondLst>
+                                  <p:childTnLst>
+                                    <p:set>
+                                      <p:cBhvr>
+                                        <p:cTn id="26" dur="1" fill="hold">
+                                          <p:stCondLst>
+                                            <p:cond delay="0"/>
+                                          </p:stCondLst>
+                                        </p:cTn>
+                                        <p:tgtEl>
+                                          <p:spTgt spid="3">
+                                            <p:txEl>
+                                              <p:pRg st="6" end="6"/>
+                                            </p:txEl>
+                                          </p:spTgt>
+                                        </p:tgtEl>
+                                        <p:attrNameLst>
+                                          <p:attrName>style.visibility</p:attrName>
+                                        </p:attrNameLst>
+                                      </p:cBhvr>
+                                      <p:to>
+                                        <p:strVal val="visible"/>
+                                      </p:to>
+                                    </p:set>
+                                  </p:childTnLst>
+                                </p:cTn>
+                              </p:par>
+                            </p:childTnLst>
+                          </p:cTn>
+                        </p:par>
+                      </p:childTnLst>
+                    </p:cTn>
+                  </p:par>
+                  <p:par>
+                    <p:cTn id="27" fill="hold">
+                      <p:stCondLst>
+                        <p:cond delay="indefinite"/>
+                      </p:stCondLst>
+                      <p:childTnLst>
+                        <p:par>
+                          <p:cTn id="28" fill="hold">
+                            <p:stCondLst>
+                              <p:cond delay="0"/>
+                            </p:stCondLst>
+                            <p:childTnLst>
+                              <p:par>
+                                <p:cTn id="29" presetID="1" presetClass="entr" presetSubtype="0" fill="hold" nodeType="clickEffect">
+                                  <p:stCondLst>
+                                    <p:cond delay="0"/>
+                                  </p:stCondLst>
+                                  <p:childTnLst>
+                                    <p:set>
+                                      <p:cBhvr>
+                                        <p:cTn id="30" dur="1" fill="hold">
+                                          <p:stCondLst>
+                                            <p:cond delay="0"/>
+                                          </p:stCondLst>
+                                        </p:cTn>
+                                        <p:tgtEl>
+                                          <p:spTgt spid="3">
+                                            <p:txEl>
+                                              <p:pRg st="7" end="7"/>
+                                            </p:txEl>
+                                          </p:spTgt>
+                                        </p:tgtEl>
+                                        <p:attrNameLst>
+                                          <p:attrName>style.visibility</p:attrName>
+                                        </p:attrNameLst>
+                                      </p:cBhvr>
+                                      <p:to>
+                                        <p:strVal val="visible"/>
+                                      </p:to>
+                                    </p:set>
+                                  </p:childTnLst>
+                                </p:cTn>
+                              </p:par>
+                              <p:par>
+                                <p:cTn id="31" presetID="1" presetClass="entr" presetSubtype="0" fill="hold" nodeType="withEffect">
+                                  <p:stCondLst>
+                                    <p:cond delay="0"/>
+                                  </p:stCondLst>
+                                  <p:childTnLst>
+                                    <p:set>
+                                      <p:cBhvr>
+                                        <p:cTn id="32" dur="1" fill="hold">
+                                          <p:stCondLst>
+                                            <p:cond delay="0"/>
+                                          </p:stCondLst>
+                                        </p:cTn>
+                                        <p:tgtEl>
+                                          <p:spTgt spid="3">
+                                            <p:txEl>
+                                              <p:pRg st="8" end="8"/>
+                                            </p:txEl>
+                                          </p:spTgt>
+                                        </p:tgtEl>
+                                        <p:attrNameLst>
+                                          <p:attrName>style.visibility</p:attrName>
+                                        </p:attrNameLst>
+                                      </p:cBhvr>
+                                      <p:to>
+                                        <p:strVal val="visible"/>
+                                      </p:to>
+                                    </p:set>
+                                  </p:childTnLst>
+                                </p:cTn>
+                              </p:par>
+                            </p:childTnLst>
+                          </p:cTn>
+                        </p:par>
+                      </p:childTnLst>
+                    </p:cTn>
+                  </p:par>
+                  <p:par>
+                    <p:cTn id="33" fill="hold">
+                      <p:stCondLst>
+                        <p:cond delay="indefinite"/>
+                      </p:stCondLst>
+                      <p:childTnLst>
+                        <p:par>
+                          <p:cTn id="34" fill="hold">
+                            <p:stCondLst>
+                              <p:cond delay="0"/>
+                            </p:stCondLst>
+                            <p:childTnLst>
+                              <p:par>
+                                <p:cTn id="35" presetID="1" presetClass="entr" presetSubtype="0" fill="hold" nodeType="clickEffect">
+                                  <p:stCondLst>
+                                    <p:cond delay="0"/>
+                                  </p:stCondLst>
+                                  <p:childTnLst>
+                                    <p:set>
+                                      <p:cBhvr>
+                                        <p:cTn id="36" dur="1" fill="hold">
+                                          <p:stCondLst>
+                                            <p:cond delay="0"/>
+                                          </p:stCondLst>
+                                        </p:cTn>
+                                        <p:tgtEl>
+                                          <p:spTgt spid="3">
+                                            <p:txEl>
+                                              <p:pRg st="9" end="9"/>
+                                            </p:txEl>
+                                          </p:spTgt>
+                                        </p:tgtEl>
+                                        <p:attrNameLst>
+                                          <p:attrName>style.visibility</p:attrName>
+                                        </p:attrNameLst>
+                                      </p:cBhvr>
+                                      <p:to>
+                                        <p:strVal val="visible"/>
+                                      </p:to>
+                                    </p:set>
+                                  </p:childTnLst>
+                                </p:cTn>
+                              </p:par>
+                            </p:childTnLst>
+                          </p:cTn>
+                        </p:par>
+                      </p:childTnLst>
+                    </p:cTn>
+                  </p:par>
+                </p:childTnLst>
+              </p:cTn>
+              <p:prevCondLst>
+                <p:cond evt="onPrev" delay="0">
+                  <p:tgtEl>
+                    <p:sldTgt/>
+                  </p:tgtEl>
+                </p:cond>
+              </p:prevCondLst>
+              <p:nextCondLst>
+                <p:cond evt="onNext" delay="0">
+                  <p:tgtEl>
+                    <p:sldTgt/>
+                  </p:tgtEl>
+                </p:cond>
+              </p:nextCondLst>
+            </p:seq>
+          </p:childTnLst>
+        </p:cTn>
+      </p:par>
+    </p:tnLst>
+  </p:timing>
 </p:sld>
 </file>
 

--- a/presentation.pptx
+++ b/presentation.pptx
@@ -16741,8 +16741,8 @@
           <a:lstStyle/>
           <a:p>
             <a:r>
-              <a:rPr lang="sv-SE" dirty="0"/>
-              <a:t>1972, </a:t>
+              <a:rPr lang="sv-SE"/>
+              <a:t>1943, </a:t>
             </a:r>
             <a:r>
               <a:rPr lang="sv-SE" dirty="0" err="1"/>
@@ -23819,7 +23819,7 @@
               <a:t> changes printed to </a:t>
             </a:r>
             <a:r>
-              <a:rPr lang="en-US"/>
+              <a:rPr lang="en-US" dirty="0" err="1"/>
               <a:t>stdout</a:t>
             </a:r>
             <a:endParaRPr lang="en-US" dirty="0"/>

--- a/presentation.pptx
+++ b/presentation.pptx
@@ -241,7 +241,7 @@
           <a:p>
             <a:fld id="{FEDE7FD9-7F25-4B5A-94EE-61CB3698A437}" type="datetimeFigureOut">
               <a:rPr lang="LID4096" smtClean="0"/>
-              <a:t>10/01/2019</a:t>
+              <a:t>10/02/2019</a:t>
             </a:fld>
             <a:endParaRPr lang="LID4096"/>
           </a:p>
@@ -637,121 +637,10 @@
           <a:bodyPr/>
           <a:lstStyle/>
           <a:p>
-            <a:r>
-              <a:rPr lang="sv-SE" dirty="0"/>
-              <a:t>No </a:t>
-            </a:r>
-            <a:r>
-              <a:rPr lang="sv-SE" dirty="0" err="1"/>
-              <a:t>const</a:t>
-            </a:r>
-            <a:r>
-              <a:rPr lang="sv-SE" dirty="0"/>
-              <a:t> on text, </a:t>
-            </a:r>
-            <a:r>
-              <a:rPr lang="sv-SE" dirty="0" err="1"/>
-              <a:t>optional</a:t>
-            </a:r>
-            <a:r>
-              <a:rPr lang="sv-SE" dirty="0"/>
-              <a:t>, </a:t>
-            </a:r>
-            <a:r>
-              <a:rPr lang="sv-SE" dirty="0" err="1"/>
-              <a:t>but</a:t>
-            </a:r>
-            <a:r>
-              <a:rPr lang="sv-SE" dirty="0"/>
-              <a:t> SHOULD be </a:t>
-            </a:r>
-            <a:r>
-              <a:rPr lang="sv-SE" dirty="0" err="1"/>
-              <a:t>used</a:t>
-            </a:r>
-            <a:r>
-              <a:rPr lang="sv-SE" dirty="0"/>
-              <a:t> to </a:t>
-            </a:r>
-            <a:r>
-              <a:rPr lang="sv-SE" dirty="0" err="1"/>
-              <a:t>avoid</a:t>
-            </a:r>
-            <a:r>
-              <a:rPr lang="sv-SE" dirty="0"/>
-              <a:t> </a:t>
-            </a:r>
-            <a:r>
-              <a:rPr lang="sv-SE" dirty="0" err="1"/>
-              <a:t>overwriting</a:t>
-            </a:r>
-            <a:endParaRPr lang="sv-SE" dirty="0"/>
-          </a:p>
-          <a:p>
-            <a:r>
-              <a:rPr lang="sv-SE" dirty="0"/>
-              <a:t>For the </a:t>
-            </a:r>
-            <a:r>
-              <a:rPr lang="sv-SE" dirty="0" err="1"/>
-              <a:t>umbers</a:t>
-            </a:r>
-            <a:r>
-              <a:rPr lang="sv-SE" dirty="0"/>
-              <a:t> </a:t>
-            </a:r>
-            <a:r>
-              <a:rPr lang="sv-SE" dirty="0" err="1"/>
-              <a:t>it’s</a:t>
-            </a:r>
-            <a:r>
-              <a:rPr lang="sv-SE" dirty="0"/>
-              <a:t> </a:t>
-            </a:r>
-            <a:r>
-              <a:rPr lang="sv-SE" dirty="0" err="1"/>
-              <a:t>required</a:t>
-            </a:r>
-            <a:endParaRPr lang="sv-SE" dirty="0"/>
-          </a:p>
-          <a:p>
-            <a:r>
-              <a:rPr lang="sv-SE" dirty="0"/>
-              <a:t>Never </a:t>
-            </a:r>
-            <a:r>
-              <a:rPr lang="sv-SE" dirty="0" err="1"/>
-              <a:t>ever</a:t>
-            </a:r>
-            <a:r>
-              <a:rPr lang="sv-SE" dirty="0"/>
-              <a:t> </a:t>
-            </a:r>
-            <a:r>
-              <a:rPr lang="sv-SE" dirty="0" err="1"/>
-              <a:t>return</a:t>
-            </a:r>
-            <a:r>
-              <a:rPr lang="sv-SE" dirty="0"/>
-              <a:t> a stack </a:t>
-            </a:r>
-            <a:r>
-              <a:rPr lang="sv-SE" dirty="0" err="1"/>
-              <a:t>allocated</a:t>
-            </a:r>
-            <a:r>
-              <a:rPr lang="sv-SE" dirty="0"/>
-              <a:t> </a:t>
-            </a:r>
-            <a:r>
-              <a:rPr lang="sv-SE" dirty="0" err="1"/>
-              <a:t>thing</a:t>
-            </a:r>
-            <a:r>
-              <a:rPr lang="sv-SE" dirty="0"/>
-              <a:t> as a pointer</a:t>
-            </a:r>
-            <a:endParaRPr lang="LID4096" dirty="0"/>
+            <a:pPr marL="0" indent="0">
+              <a:buNone/>
+            </a:pPr>
+            <a:endParaRPr lang="en-US" dirty="0"/>
           </a:p>
         </p:txBody>
       </p:sp>
@@ -772,7 +661,7 @@
           <a:p>
             <a:fld id="{0E26204E-D3EA-4BEE-8609-2977ED48DAB5}" type="slidenum">
               <a:rPr lang="LID4096" smtClean="0"/>
-              <a:t>18</a:t>
+              <a:t>15</a:t>
             </a:fld>
             <a:endParaRPr lang="LID4096"/>
           </a:p>
@@ -781,7 +670,7 @@
     </p:spTree>
     <p:extLst>
       <p:ext uri="{BB962C8B-B14F-4D97-AF65-F5344CB8AC3E}">
-        <p14:creationId xmlns:p14="http://schemas.microsoft.com/office/powerpoint/2010/main" val="764641054"/>
+        <p14:creationId xmlns:p14="http://schemas.microsoft.com/office/powerpoint/2010/main" val="2428094475"/>
       </p:ext>
     </p:extLst>
   </p:cSld>
@@ -836,78 +725,118 @@
           <a:lstStyle/>
           <a:p>
             <a:r>
+              <a:rPr lang="sv-SE" dirty="0"/>
+              <a:t>No </a:t>
+            </a:r>
+            <a:r>
               <a:rPr lang="sv-SE" dirty="0" err="1"/>
-              <a:t>sizeof</a:t>
+              <a:t>const</a:t>
             </a:r>
             <a:r>
               <a:rPr lang="sv-SE" dirty="0"/>
-              <a:t>(</a:t>
+              <a:t> on txt1, </a:t>
             </a:r>
             <a:r>
               <a:rPr lang="sv-SE" dirty="0" err="1"/>
-              <a:t>int</a:t>
+              <a:t>optional</a:t>
             </a:r>
             <a:r>
               <a:rPr lang="sv-SE" dirty="0"/>
-              <a:t>): 4</a:t>
-            </a:r>
-          </a:p>
-          <a:p>
+              <a:t>, </a:t>
+            </a:r>
             <a:r>
               <a:rPr lang="sv-SE" dirty="0" err="1"/>
-              <a:t>sizeof</a:t>
+              <a:t>but</a:t>
             </a:r>
             <a:r>
               <a:rPr lang="sv-SE" dirty="0"/>
-              <a:t>(vec1): 20</a:t>
-            </a:r>
-          </a:p>
-          <a:p>
+              <a:t> SHOULD be </a:t>
+            </a:r>
             <a:r>
               <a:rPr lang="sv-SE" dirty="0" err="1"/>
-              <a:t>sizeof</a:t>
+              <a:t>used</a:t>
             </a:r>
             <a:r>
               <a:rPr lang="sv-SE" dirty="0"/>
-              <a:t>(vec2): 16</a:t>
-            </a:r>
-          </a:p>
-          <a:p>
+              <a:t> to </a:t>
+            </a:r>
             <a:r>
               <a:rPr lang="sv-SE" dirty="0" err="1"/>
-              <a:t>sizeof</a:t>
+              <a:t>avoid</a:t>
             </a:r>
             <a:r>
               <a:rPr lang="sv-SE" dirty="0"/>
-              <a:t>(char): 1</a:t>
-            </a:r>
-          </a:p>
-          <a:p>
+              <a:t> </a:t>
+            </a:r>
             <a:r>
               <a:rPr lang="sv-SE" dirty="0" err="1"/>
-              <a:t>sizeof</a:t>
-            </a:r>
+              <a:t>overwriting</a:t>
+            </a:r>
+            <a:endParaRPr lang="sv-SE" dirty="0"/>
+          </a:p>
+          <a:p>
             <a:r>
               <a:rPr lang="sv-SE" dirty="0"/>
-              <a:t>(vec3): 8</a:t>
-            </a:r>
-          </a:p>
-          <a:p>
+              <a:t>For the </a:t>
+            </a:r>
             <a:r>
               <a:rPr lang="sv-SE" dirty="0" err="1"/>
-              <a:t>sizeof</a:t>
+              <a:t>numbers</a:t>
             </a:r>
             <a:r>
               <a:rPr lang="sv-SE" dirty="0"/>
-              <a:t>(</a:t>
+              <a:t> </a:t>
             </a:r>
             <a:r>
               <a:rPr lang="sv-SE" dirty="0" err="1"/>
-              <a:t>vec</a:t>
+              <a:t>it’s</a:t>
             </a:r>
             <a:r>
               <a:rPr lang="sv-SE" dirty="0"/>
-              <a:t>): 8</a:t>
+              <a:t> </a:t>
+            </a:r>
+            <a:r>
+              <a:rPr lang="sv-SE" dirty="0" err="1"/>
+              <a:t>required</a:t>
+            </a:r>
+            <a:endParaRPr lang="sv-SE" dirty="0"/>
+          </a:p>
+          <a:p>
+            <a:r>
+              <a:rPr lang="sv-SE" dirty="0"/>
+              <a:t>Never </a:t>
+            </a:r>
+            <a:r>
+              <a:rPr lang="sv-SE" dirty="0" err="1"/>
+              <a:t>ever</a:t>
+            </a:r>
+            <a:r>
+              <a:rPr lang="sv-SE" dirty="0"/>
+              <a:t> </a:t>
+            </a:r>
+            <a:r>
+              <a:rPr lang="sv-SE" dirty="0" err="1"/>
+              <a:t>return</a:t>
+            </a:r>
+            <a:r>
+              <a:rPr lang="sv-SE" dirty="0"/>
+              <a:t> a stack </a:t>
+            </a:r>
+            <a:r>
+              <a:rPr lang="sv-SE" dirty="0" err="1"/>
+              <a:t>allocated</a:t>
+            </a:r>
+            <a:r>
+              <a:rPr lang="sv-SE" dirty="0"/>
+              <a:t> </a:t>
+            </a:r>
+            <a:r>
+              <a:rPr lang="sv-SE" dirty="0" err="1"/>
+              <a:t>thing</a:t>
+            </a:r>
+            <a:r>
+              <a:rPr lang="sv-SE" dirty="0"/>
+              <a:t> as a pointer</a:t>
             </a:r>
             <a:endParaRPr lang="LID4096" dirty="0"/>
           </a:p>
@@ -930,7 +859,7 @@
           <a:p>
             <a:fld id="{0E26204E-D3EA-4BEE-8609-2977ED48DAB5}" type="slidenum">
               <a:rPr lang="LID4096" smtClean="0"/>
-              <a:t>20</a:t>
+              <a:t>18</a:t>
             </a:fld>
             <a:endParaRPr lang="LID4096"/>
           </a:p>
@@ -939,7 +868,7 @@
     </p:spTree>
     <p:extLst>
       <p:ext uri="{BB962C8B-B14F-4D97-AF65-F5344CB8AC3E}">
-        <p14:creationId xmlns:p14="http://schemas.microsoft.com/office/powerpoint/2010/main" val="4000112400"/>
+        <p14:creationId xmlns:p14="http://schemas.microsoft.com/office/powerpoint/2010/main" val="764641054"/>
       </p:ext>
     </p:extLst>
   </p:cSld>
@@ -993,7 +922,81 @@
           <a:bodyPr/>
           <a:lstStyle/>
           <a:p>
-            <a:endParaRPr lang="en-US" dirty="0"/>
+            <a:r>
+              <a:rPr lang="sv-SE" dirty="0" err="1"/>
+              <a:t>sizeof</a:t>
+            </a:r>
+            <a:r>
+              <a:rPr lang="sv-SE" dirty="0"/>
+              <a:t>(</a:t>
+            </a:r>
+            <a:r>
+              <a:rPr lang="sv-SE" dirty="0" err="1"/>
+              <a:t>int</a:t>
+            </a:r>
+            <a:r>
+              <a:rPr lang="sv-SE" dirty="0"/>
+              <a:t>): 4</a:t>
+            </a:r>
+          </a:p>
+          <a:p>
+            <a:r>
+              <a:rPr lang="sv-SE" dirty="0" err="1"/>
+              <a:t>sizeof</a:t>
+            </a:r>
+            <a:r>
+              <a:rPr lang="sv-SE" dirty="0"/>
+              <a:t>(vec1): 20</a:t>
+            </a:r>
+          </a:p>
+          <a:p>
+            <a:r>
+              <a:rPr lang="sv-SE" dirty="0" err="1"/>
+              <a:t>sizeof</a:t>
+            </a:r>
+            <a:r>
+              <a:rPr lang="sv-SE" dirty="0"/>
+              <a:t>(vec2): 16</a:t>
+            </a:r>
+          </a:p>
+          <a:p>
+            <a:r>
+              <a:rPr lang="sv-SE" dirty="0" err="1"/>
+              <a:t>sizeof</a:t>
+            </a:r>
+            <a:r>
+              <a:rPr lang="sv-SE" dirty="0"/>
+              <a:t>(char): 1</a:t>
+            </a:r>
+          </a:p>
+          <a:p>
+            <a:r>
+              <a:rPr lang="sv-SE" dirty="0" err="1"/>
+              <a:t>sizeof</a:t>
+            </a:r>
+            <a:r>
+              <a:rPr lang="sv-SE" dirty="0"/>
+              <a:t>(vec3): 8</a:t>
+            </a:r>
+          </a:p>
+          <a:p>
+            <a:r>
+              <a:rPr lang="sv-SE" dirty="0" err="1"/>
+              <a:t>sizeof</a:t>
+            </a:r>
+            <a:r>
+              <a:rPr lang="sv-SE" dirty="0"/>
+              <a:t>(</a:t>
+            </a:r>
+            <a:r>
+              <a:rPr lang="sv-SE" dirty="0" err="1"/>
+              <a:t>vec</a:t>
+            </a:r>
+            <a:r>
+              <a:rPr lang="sv-SE" dirty="0"/>
+              <a:t>): 8</a:t>
+            </a:r>
+            <a:endParaRPr lang="LID4096" dirty="0"/>
           </a:p>
         </p:txBody>
       </p:sp>
@@ -1014,7 +1017,7 @@
           <a:p>
             <a:fld id="{0E26204E-D3EA-4BEE-8609-2977ED48DAB5}" type="slidenum">
               <a:rPr lang="LID4096" smtClean="0"/>
-              <a:t>26</a:t>
+              <a:t>20</a:t>
             </a:fld>
             <a:endParaRPr lang="LID4096"/>
           </a:p>
@@ -1023,7 +1026,7 @@
     </p:spTree>
     <p:extLst>
       <p:ext uri="{BB962C8B-B14F-4D97-AF65-F5344CB8AC3E}">
-        <p14:creationId xmlns:p14="http://schemas.microsoft.com/office/powerpoint/2010/main" val="2915804047"/>
+        <p14:creationId xmlns:p14="http://schemas.microsoft.com/office/powerpoint/2010/main" val="4000112400"/>
       </p:ext>
     </p:extLst>
   </p:cSld>
@@ -1077,74 +1080,6 @@
           <a:bodyPr/>
           <a:lstStyle/>
           <a:p>
-            <a:r>
-              <a:rPr lang="en-US" dirty="0" err="1"/>
-              <a:t>Är</a:t>
-            </a:r>
-            <a:r>
-              <a:rPr lang="en-US" dirty="0"/>
-              <a:t> man </a:t>
-            </a:r>
-            <a:r>
-              <a:rPr lang="en-US" dirty="0" err="1"/>
-              <a:t>riktigt</a:t>
-            </a:r>
-            <a:r>
-              <a:rPr lang="en-US" dirty="0"/>
-              <a:t> </a:t>
-            </a:r>
-            <a:r>
-              <a:rPr lang="en-US" dirty="0" err="1"/>
-              <a:t>seriös</a:t>
-            </a:r>
-            <a:r>
-              <a:rPr lang="en-US" dirty="0"/>
-              <a:t> </a:t>
-            </a:r>
-            <a:r>
-              <a:rPr lang="en-US" dirty="0" err="1"/>
-              <a:t>kör</a:t>
-            </a:r>
-            <a:r>
-              <a:rPr lang="en-US" dirty="0"/>
-              <a:t> man </a:t>
-            </a:r>
-            <a:r>
-              <a:rPr lang="en-US" dirty="0" err="1"/>
-              <a:t>flera</a:t>
-            </a:r>
-            <a:r>
-              <a:rPr lang="en-US" dirty="0"/>
-              <a:t> </a:t>
-            </a:r>
-            <a:r>
-              <a:rPr lang="en-US" dirty="0" err="1"/>
-              <a:t>paralellt</a:t>
-            </a:r>
-            <a:r>
-              <a:rPr lang="en-US" dirty="0"/>
-              <a:t>, </a:t>
-            </a:r>
-            <a:r>
-              <a:rPr lang="en-US" dirty="0" err="1"/>
-              <a:t>ingen</a:t>
-            </a:r>
-            <a:r>
-              <a:rPr lang="en-US" dirty="0"/>
-              <a:t> </a:t>
-            </a:r>
-            <a:r>
-              <a:rPr lang="en-US" dirty="0" err="1"/>
-              <a:t>hittar</a:t>
-            </a:r>
-            <a:r>
-              <a:rPr lang="en-US" dirty="0"/>
-              <a:t> </a:t>
-            </a:r>
-            <a:r>
-              <a:rPr lang="en-US" dirty="0" err="1"/>
-              <a:t>allt</a:t>
-            </a:r>
             <a:endParaRPr lang="en-US" dirty="0"/>
           </a:p>
         </p:txBody>
@@ -1166,7 +1101,7 @@
           <a:p>
             <a:fld id="{0E26204E-D3EA-4BEE-8609-2977ED48DAB5}" type="slidenum">
               <a:rPr lang="LID4096" smtClean="0"/>
-              <a:t>27</a:t>
+              <a:t>26</a:t>
             </a:fld>
             <a:endParaRPr lang="LID4096"/>
           </a:p>
@@ -1175,7 +1110,7 @@
     </p:spTree>
     <p:extLst>
       <p:ext uri="{BB962C8B-B14F-4D97-AF65-F5344CB8AC3E}">
-        <p14:creationId xmlns:p14="http://schemas.microsoft.com/office/powerpoint/2010/main" val="3269754194"/>
+        <p14:creationId xmlns:p14="http://schemas.microsoft.com/office/powerpoint/2010/main" val="2915804047"/>
       </p:ext>
     </p:extLst>
   </p:cSld>
@@ -1230,6 +1165,224 @@
           <a:lstStyle/>
           <a:p>
             <a:r>
+              <a:rPr lang="en-US" dirty="0" err="1"/>
+              <a:t>Är</a:t>
+            </a:r>
+            <a:r>
+              <a:rPr lang="en-US" dirty="0"/>
+              <a:t> man </a:t>
+            </a:r>
+            <a:r>
+              <a:rPr lang="en-US" dirty="0" err="1"/>
+              <a:t>riktigt</a:t>
+            </a:r>
+            <a:r>
+              <a:rPr lang="en-US" dirty="0"/>
+              <a:t> </a:t>
+            </a:r>
+            <a:r>
+              <a:rPr lang="en-US" dirty="0" err="1"/>
+              <a:t>seriös</a:t>
+            </a:r>
+            <a:r>
+              <a:rPr lang="en-US" dirty="0"/>
+              <a:t> </a:t>
+            </a:r>
+            <a:r>
+              <a:rPr lang="en-US" dirty="0" err="1"/>
+              <a:t>kör</a:t>
+            </a:r>
+            <a:r>
+              <a:rPr lang="en-US" dirty="0"/>
+              <a:t> man </a:t>
+            </a:r>
+            <a:r>
+              <a:rPr lang="en-US" dirty="0" err="1"/>
+              <a:t>flera</a:t>
+            </a:r>
+            <a:r>
+              <a:rPr lang="en-US" dirty="0"/>
+              <a:t> </a:t>
+            </a:r>
+            <a:r>
+              <a:rPr lang="en-US" dirty="0" err="1"/>
+              <a:t>paralellt</a:t>
+            </a:r>
+            <a:r>
+              <a:rPr lang="en-US" dirty="0"/>
+              <a:t>, </a:t>
+            </a:r>
+            <a:r>
+              <a:rPr lang="en-US" dirty="0" err="1"/>
+              <a:t>ingen</a:t>
+            </a:r>
+            <a:r>
+              <a:rPr lang="en-US" dirty="0"/>
+              <a:t> </a:t>
+            </a:r>
+            <a:r>
+              <a:rPr lang="en-US" dirty="0" err="1"/>
+              <a:t>hittar</a:t>
+            </a:r>
+            <a:r>
+              <a:rPr lang="en-US" dirty="0"/>
+              <a:t> </a:t>
+            </a:r>
+            <a:r>
+              <a:rPr lang="en-US" dirty="0" err="1"/>
+              <a:t>allt</a:t>
+            </a:r>
+            <a:endParaRPr lang="en-US" dirty="0"/>
+          </a:p>
+          <a:p>
+            <a:r>
+              <a:rPr lang="en-US" dirty="0" err="1"/>
+              <a:t>PCLint</a:t>
+            </a:r>
+            <a:r>
+              <a:rPr lang="en-US" dirty="0"/>
+              <a:t> </a:t>
+            </a:r>
+            <a:r>
+              <a:rPr lang="en-US" dirty="0" err="1"/>
+              <a:t>kostar</a:t>
+            </a:r>
+            <a:r>
+              <a:rPr lang="en-US" dirty="0"/>
+              <a:t> </a:t>
+            </a:r>
+            <a:r>
+              <a:rPr lang="en-US" dirty="0" err="1"/>
+              <a:t>pengar</a:t>
+            </a:r>
+            <a:r>
+              <a:rPr lang="en-US" dirty="0"/>
+              <a:t>. De </a:t>
+            </a:r>
+            <a:r>
+              <a:rPr lang="en-US" dirty="0" err="1"/>
+              <a:t>andra</a:t>
+            </a:r>
+            <a:r>
+              <a:rPr lang="en-US" dirty="0"/>
+              <a:t> gratis, </a:t>
+            </a:r>
+            <a:r>
+              <a:rPr lang="en-US" dirty="0" err="1"/>
+              <a:t>även</a:t>
+            </a:r>
+            <a:r>
+              <a:rPr lang="en-US" dirty="0"/>
+              <a:t> </a:t>
+            </a:r>
+            <a:r>
+              <a:rPr lang="en-US" dirty="0" err="1"/>
+              <a:t>i</a:t>
+            </a:r>
+            <a:r>
+              <a:rPr lang="en-US" dirty="0"/>
+              <a:t> </a:t>
+            </a:r>
+            <a:r>
+              <a:rPr lang="en-US" dirty="0" err="1"/>
+              <a:t>komersiellt</a:t>
+            </a:r>
+            <a:r>
+              <a:rPr lang="en-US" dirty="0"/>
+              <a:t> </a:t>
+            </a:r>
+            <a:r>
+              <a:rPr lang="en-US" dirty="0" err="1"/>
+              <a:t>syfte</a:t>
+            </a:r>
+            <a:r>
+              <a:rPr lang="en-US" dirty="0"/>
+              <a:t>?</a:t>
+            </a:r>
+          </a:p>
+        </p:txBody>
+      </p:sp>
+      <p:sp>
+        <p:nvSpPr>
+          <p:cNvPr id="4" name="Platshållare för bildnummer 3"/>
+          <p:cNvSpPr>
+            <a:spLocks noGrp="1"/>
+          </p:cNvSpPr>
+          <p:nvPr>
+            <p:ph type="sldNum" sz="quarter" idx="5"/>
+          </p:nvPr>
+        </p:nvSpPr>
+        <p:spPr/>
+        <p:txBody>
+          <a:bodyPr/>
+          <a:lstStyle/>
+          <a:p>
+            <a:fld id="{0E26204E-D3EA-4BEE-8609-2977ED48DAB5}" type="slidenum">
+              <a:rPr lang="LID4096" smtClean="0"/>
+              <a:t>27</a:t>
+            </a:fld>
+            <a:endParaRPr lang="LID4096"/>
+          </a:p>
+        </p:txBody>
+      </p:sp>
+    </p:spTree>
+    <p:extLst>
+      <p:ext uri="{BB962C8B-B14F-4D97-AF65-F5344CB8AC3E}">
+        <p14:creationId xmlns:p14="http://schemas.microsoft.com/office/powerpoint/2010/main" val="3269754194"/>
+      </p:ext>
+    </p:extLst>
+  </p:cSld>
+  <p:clrMapOvr>
+    <a:masterClrMapping/>
+  </p:clrMapOvr>
+</p:notes>
+</file>
+
+<file path=ppt/notesSlides/notesSlide15.xml><?xml version="1.0" encoding="utf-8"?>
+<p:notes xmlns:a="http://schemas.openxmlformats.org/drawingml/2006/main" xmlns:r="http://schemas.openxmlformats.org/officeDocument/2006/relationships" xmlns:p="http://schemas.openxmlformats.org/presentationml/2006/main">
+  <p:cSld>
+    <p:spTree>
+      <p:nvGrpSpPr>
+        <p:cNvPr id="1" name=""/>
+        <p:cNvGrpSpPr/>
+        <p:nvPr/>
+      </p:nvGrpSpPr>
+      <p:grpSpPr>
+        <a:xfrm>
+          <a:off x="0" y="0"/>
+          <a:ext cx="0" cy="0"/>
+          <a:chOff x="0" y="0"/>
+          <a:chExt cx="0" cy="0"/>
+        </a:xfrm>
+      </p:grpSpPr>
+      <p:sp>
+        <p:nvSpPr>
+          <p:cNvPr id="2" name="Platshållare för bildobjekt 1"/>
+          <p:cNvSpPr>
+            <a:spLocks noGrp="1" noRot="1" noChangeAspect="1"/>
+          </p:cNvSpPr>
+          <p:nvPr>
+            <p:ph type="sldImg"/>
+          </p:nvPr>
+        </p:nvSpPr>
+        <p:spPr/>
+      </p:sp>
+      <p:sp>
+        <p:nvSpPr>
+          <p:cNvPr id="3" name="Platshållare för anteckningar 2"/>
+          <p:cNvSpPr>
+            <a:spLocks noGrp="1"/>
+          </p:cNvSpPr>
+          <p:nvPr>
+            <p:ph type="body" idx="1"/>
+          </p:nvPr>
+        </p:nvSpPr>
+        <p:spPr/>
+        <p:txBody>
+          <a:bodyPr/>
+          <a:lstStyle/>
+          <a:p>
+            <a:r>
               <a:rPr lang="en-US" dirty="0"/>
               <a:t>- </a:t>
             </a:r>
@@ -1255,7 +1408,7 @@
             </a:pPr>
             <a:r>
               <a:rPr lang="en-US" dirty="0"/>
-              <a:t>Gradle, nice to read, not that big</a:t>
+              <a:t>Gradle, nice to read, not that big, Java</a:t>
             </a:r>
           </a:p>
           <a:p>
@@ -1457,7 +1610,7 @@
             </a:r>
             <a:r>
               <a:rPr lang="en-US" dirty="0" err="1"/>
-              <a:t>ingetstandardiserat</a:t>
+              <a:t>inget</a:t>
             </a:r>
             <a:r>
               <a:rPr lang="en-US" dirty="0"/>
@@ -1465,6 +1618,14 @@
             </a:r>
             <a:r>
               <a:rPr lang="en-US" dirty="0" err="1"/>
+              <a:t>standardiserat</a:t>
+            </a:r>
+            <a:r>
+              <a:rPr lang="en-US" dirty="0"/>
+              <a:t> </a:t>
+            </a:r>
+            <a:r>
+              <a:rPr lang="en-US" dirty="0" err="1"/>
               <a:t>sätt</a:t>
             </a:r>
             <a:r>
@@ -1481,7 +1642,7 @@
             </a:r>
             <a:r>
               <a:rPr lang="en-US" dirty="0" err="1"/>
-              <a:t>paker</a:t>
+              <a:t>paket</a:t>
             </a:r>
             <a:endParaRPr lang="en-US" dirty="0"/>
           </a:p>
@@ -2162,7 +2323,7 @@
           <a:p>
             <a:r>
               <a:rPr lang="sv-SE" dirty="0"/>
-              <a:t>Behöver inte explicit casting, utan </a:t>
+              <a:t>Man behöver inte explicit casting, utan </a:t>
             </a:r>
             <a:r>
               <a:rPr lang="sv-SE" dirty="0" err="1"/>
@@ -2170,7 +2331,15 @@
             </a:r>
             <a:r>
               <a:rPr lang="sv-SE" dirty="0"/>
-              <a:t> så är det ok… då tappar man innehåll eller läser extra!</a:t>
+              <a:t> så är det ok… Man tappar </a:t>
+            </a:r>
+            <a:r>
+              <a:rPr lang="sv-SE" dirty="0" err="1"/>
+              <a:t>tappar</a:t>
+            </a:r>
+            <a:r>
+              <a:rPr lang="sv-SE" dirty="0"/>
+              <a:t> man innehåll eller läser extra!</a:t>
             </a:r>
             <a:endParaRPr lang="LID4096" dirty="0"/>
           </a:p>
@@ -2256,236 +2425,6 @@
           <a:bodyPr/>
           <a:lstStyle/>
           <a:p>
-            <a:pPr marL="228600" indent="-228600">
-              <a:buAutoNum type="arabicParenR"/>
-            </a:pPr>
-            <a:r>
-              <a:rPr lang="en-US" dirty="0" err="1"/>
-              <a:t>En</a:t>
-            </a:r>
-            <a:r>
-              <a:rPr lang="en-US" dirty="0"/>
-              <a:t> struct</a:t>
-            </a:r>
-          </a:p>
-          <a:p>
-            <a:pPr marL="228600" indent="-228600">
-              <a:buAutoNum type="arabicParenR"/>
-            </a:pPr>
-            <a:r>
-              <a:rPr lang="en-US" dirty="0" err="1"/>
-              <a:t>En</a:t>
-            </a:r>
-            <a:r>
-              <a:rPr lang="en-US" dirty="0"/>
-              <a:t> </a:t>
-            </a:r>
-            <a:r>
-              <a:rPr lang="en-US" dirty="0" err="1"/>
-              <a:t>annan</a:t>
-            </a:r>
-            <a:r>
-              <a:rPr lang="en-US" dirty="0"/>
-              <a:t> struct</a:t>
-            </a:r>
-          </a:p>
-          <a:p>
-            <a:pPr marL="228600" indent="-228600">
-              <a:buAutoNum type="arabicParenR"/>
-            </a:pPr>
-            <a:r>
-              <a:rPr lang="en-US" dirty="0"/>
-              <a:t>I union. </a:t>
-            </a:r>
-            <a:r>
-              <a:rPr lang="en-US" dirty="0" err="1"/>
-              <a:t>Så</a:t>
-            </a:r>
-            <a:r>
-              <a:rPr lang="en-US" dirty="0"/>
-              <a:t> </a:t>
-            </a:r>
-            <a:r>
-              <a:rPr lang="en-US" dirty="0" err="1"/>
-              <a:t>får</a:t>
-            </a:r>
-            <a:r>
-              <a:rPr lang="en-US" dirty="0"/>
-              <a:t> man </a:t>
-            </a:r>
-            <a:r>
-              <a:rPr lang="en-US" dirty="0" err="1"/>
-              <a:t>göra</a:t>
-            </a:r>
-            <a:r>
-              <a:rPr lang="en-US" dirty="0"/>
-              <a:t>. Eller ha </a:t>
-            </a:r>
-            <a:r>
-              <a:rPr lang="en-US" dirty="0" err="1"/>
-              <a:t>helt</a:t>
-            </a:r>
-            <a:r>
-              <a:rPr lang="en-US" dirty="0"/>
-              <a:t> </a:t>
-            </a:r>
-            <a:r>
-              <a:rPr lang="en-US" dirty="0" err="1"/>
-              <a:t>olika</a:t>
-            </a:r>
-            <a:r>
-              <a:rPr lang="en-US" dirty="0"/>
-              <a:t> </a:t>
-            </a:r>
-            <a:r>
-              <a:rPr lang="en-US" dirty="0" err="1"/>
-              <a:t>saker</a:t>
-            </a:r>
-            <a:r>
-              <a:rPr lang="en-US" dirty="0"/>
-              <a:t> I</a:t>
-            </a:r>
-          </a:p>
-          <a:p>
-            <a:pPr marL="228600" indent="-228600">
-              <a:buAutoNum type="arabicParenR"/>
-            </a:pPr>
-            <a:r>
-              <a:rPr lang="en-US" dirty="0"/>
-              <a:t>Union </a:t>
-            </a:r>
-            <a:r>
-              <a:rPr lang="en-US" dirty="0" err="1"/>
-              <a:t>börjar</a:t>
-            </a:r>
-            <a:r>
-              <a:rPr lang="en-US" dirty="0"/>
-              <a:t> </a:t>
-            </a:r>
-            <a:r>
-              <a:rPr lang="en-US" dirty="0" err="1"/>
-              <a:t>högst</a:t>
-            </a:r>
-            <a:r>
-              <a:rPr lang="en-US" dirty="0"/>
-              <a:t> </a:t>
-            </a:r>
-            <a:r>
-              <a:rPr lang="en-US" dirty="0" err="1"/>
-              <a:t>upp</a:t>
-            </a:r>
-            <a:r>
-              <a:rPr lang="en-US" dirty="0"/>
-              <a:t> I </a:t>
-            </a:r>
-            <a:r>
-              <a:rPr lang="en-US" dirty="0" err="1"/>
-              <a:t>minnet</a:t>
-            </a:r>
-            <a:r>
-              <a:rPr lang="en-US" dirty="0"/>
-              <a:t>, </a:t>
-            </a:r>
-            <a:r>
-              <a:rPr lang="en-US" dirty="0" err="1"/>
-              <a:t>slutar</a:t>
-            </a:r>
-            <a:r>
-              <a:rPr lang="en-US" dirty="0"/>
-              <a:t> </a:t>
-            </a:r>
-            <a:r>
-              <a:rPr lang="en-US" dirty="0" err="1"/>
-              <a:t>på</a:t>
-            </a:r>
-            <a:r>
-              <a:rPr lang="en-US" dirty="0"/>
-              <a:t> </a:t>
-            </a:r>
-            <a:r>
-              <a:rPr lang="en-US" dirty="0" err="1"/>
-              <a:t>jämn</a:t>
-            </a:r>
-            <a:r>
-              <a:rPr lang="en-US" dirty="0"/>
-              <a:t> address, </a:t>
-            </a:r>
-            <a:r>
-              <a:rPr lang="en-US" dirty="0" err="1"/>
-              <a:t>så</a:t>
-            </a:r>
-            <a:r>
-              <a:rPr lang="en-US" dirty="0"/>
-              <a:t> </a:t>
-            </a:r>
-            <a:r>
-              <a:rPr lang="en-US" dirty="0" err="1"/>
-              <a:t>kan</a:t>
-            </a:r>
-            <a:r>
-              <a:rPr lang="en-US" dirty="0"/>
-              <a:t> </a:t>
-            </a:r>
-            <a:r>
-              <a:rPr lang="en-US" dirty="0" err="1"/>
-              <a:t>vara</a:t>
-            </a:r>
-            <a:r>
-              <a:rPr lang="en-US" dirty="0"/>
-              <a:t> </a:t>
-            </a:r>
-            <a:r>
-              <a:rPr lang="en-US" dirty="0" err="1"/>
-              <a:t>stor</a:t>
-            </a:r>
-            <a:r>
-              <a:rPr lang="en-US" dirty="0"/>
-              <a:t>. Kan </a:t>
-            </a:r>
-            <a:r>
-              <a:rPr lang="en-US" dirty="0" err="1"/>
-              <a:t>vara</a:t>
-            </a:r>
-            <a:r>
-              <a:rPr lang="en-US" dirty="0"/>
-              <a:t> </a:t>
-            </a:r>
-            <a:r>
-              <a:rPr lang="en-US" dirty="0" err="1"/>
-              <a:t>luft</a:t>
-            </a:r>
-            <a:r>
-              <a:rPr lang="en-US" dirty="0"/>
-              <a:t> </a:t>
-            </a:r>
-            <a:r>
-              <a:rPr lang="en-US" dirty="0" err="1"/>
-              <a:t>på</a:t>
-            </a:r>
-            <a:r>
-              <a:rPr lang="en-US" dirty="0"/>
-              <a:t> </a:t>
-            </a:r>
-            <a:r>
-              <a:rPr lang="en-US" dirty="0" err="1"/>
-              <a:t>slutet</a:t>
-            </a:r>
-            <a:r>
-              <a:rPr lang="en-US" dirty="0"/>
-              <a:t>. Men </a:t>
-            </a:r>
-            <a:r>
-              <a:rPr lang="en-US" dirty="0" err="1"/>
-              <a:t>även</a:t>
-            </a:r>
-            <a:r>
-              <a:rPr lang="en-US" dirty="0"/>
-              <a:t> I mitten. Kan </a:t>
-            </a:r>
-            <a:r>
-              <a:rPr lang="en-US" dirty="0" err="1"/>
-              <a:t>packas</a:t>
-            </a:r>
             <a:endParaRPr lang="en-US" dirty="0"/>
           </a:p>
         </p:txBody>
@@ -2507,7 +2446,7 @@
           <a:p>
             <a:fld id="{0E26204E-D3EA-4BEE-8609-2977ED48DAB5}" type="slidenum">
               <a:rPr lang="LID4096" smtClean="0"/>
-              <a:t>14</a:t>
+              <a:t>13</a:t>
             </a:fld>
             <a:endParaRPr lang="LID4096"/>
           </a:p>
@@ -2516,7 +2455,7 @@
     </p:spTree>
     <p:extLst>
       <p:ext uri="{BB962C8B-B14F-4D97-AF65-F5344CB8AC3E}">
-        <p14:creationId xmlns:p14="http://schemas.microsoft.com/office/powerpoint/2010/main" val="3115010438"/>
+        <p14:creationId xmlns:p14="http://schemas.microsoft.com/office/powerpoint/2010/main" val="2337772044"/>
       </p:ext>
     </p:extLst>
   </p:cSld>
@@ -2649,15 +2588,23 @@
             </a:r>
             <a:r>
               <a:rPr lang="en-US" dirty="0"/>
-              <a:t> </a:t>
+              <a:t> sorters </a:t>
             </a:r>
             <a:r>
               <a:rPr lang="en-US" dirty="0" err="1"/>
-              <a:t>saker</a:t>
+              <a:t>structer</a:t>
             </a:r>
             <a:r>
               <a:rPr lang="en-US" dirty="0"/>
-              <a:t> I</a:t>
+              <a:t> om man </a:t>
+            </a:r>
+            <a:r>
+              <a:rPr lang="en-US" dirty="0" err="1"/>
+              <a:t>vill</a:t>
+            </a:r>
+            <a:r>
+              <a:rPr lang="en-US" dirty="0"/>
+              <a:t>.</a:t>
             </a:r>
           </a:p>
           <a:p>
@@ -2666,7 +2613,7 @@
             </a:pPr>
             <a:r>
               <a:rPr lang="en-US" dirty="0"/>
-              <a:t>Union </a:t>
+              <a:t>Struct </a:t>
             </a:r>
             <a:r>
               <a:rPr lang="en-US" dirty="0" err="1"/>
@@ -2821,7 +2768,7 @@
           <a:p>
             <a:fld id="{0E26204E-D3EA-4BEE-8609-2977ED48DAB5}" type="slidenum">
               <a:rPr lang="LID4096" smtClean="0"/>
-              <a:t>15</a:t>
+              <a:t>14</a:t>
             </a:fld>
             <a:endParaRPr lang="LID4096"/>
           </a:p>
@@ -2830,7 +2777,7 @@
     </p:spTree>
     <p:extLst>
       <p:ext uri="{BB962C8B-B14F-4D97-AF65-F5344CB8AC3E}">
-        <p14:creationId xmlns:p14="http://schemas.microsoft.com/office/powerpoint/2010/main" val="2428094475"/>
+        <p14:creationId xmlns:p14="http://schemas.microsoft.com/office/powerpoint/2010/main" val="3115010438"/>
       </p:ext>
     </p:extLst>
   </p:cSld>
@@ -2989,7 +2936,7 @@
           <a:p>
             <a:fld id="{E773F4B0-D372-4209-B55E-78E095AD1239}" type="datetimeFigureOut">
               <a:rPr lang="LID4096" smtClean="0"/>
-              <a:t>10/01/2019</a:t>
+              <a:t>10/02/2019</a:t>
             </a:fld>
             <a:endParaRPr lang="LID4096"/>
           </a:p>
@@ -3189,7 +3136,7 @@
           <a:p>
             <a:fld id="{E773F4B0-D372-4209-B55E-78E095AD1239}" type="datetimeFigureOut">
               <a:rPr lang="LID4096" smtClean="0"/>
-              <a:t>10/01/2019</a:t>
+              <a:t>10/02/2019</a:t>
             </a:fld>
             <a:endParaRPr lang="LID4096"/>
           </a:p>
@@ -3399,7 +3346,7 @@
           <a:p>
             <a:fld id="{E773F4B0-D372-4209-B55E-78E095AD1239}" type="datetimeFigureOut">
               <a:rPr lang="LID4096" smtClean="0"/>
-              <a:t>10/01/2019</a:t>
+              <a:t>10/02/2019</a:t>
             </a:fld>
             <a:endParaRPr lang="LID4096"/>
           </a:p>
@@ -3599,7 +3546,7 @@
           <a:p>
             <a:fld id="{E773F4B0-D372-4209-B55E-78E095AD1239}" type="datetimeFigureOut">
               <a:rPr lang="LID4096" smtClean="0"/>
-              <a:t>10/01/2019</a:t>
+              <a:t>10/02/2019</a:t>
             </a:fld>
             <a:endParaRPr lang="LID4096"/>
           </a:p>
@@ -3875,7 +3822,7 @@
           <a:p>
             <a:fld id="{E773F4B0-D372-4209-B55E-78E095AD1239}" type="datetimeFigureOut">
               <a:rPr lang="LID4096" smtClean="0"/>
-              <a:t>10/01/2019</a:t>
+              <a:t>10/02/2019</a:t>
             </a:fld>
             <a:endParaRPr lang="LID4096"/>
           </a:p>
@@ -4143,7 +4090,7 @@
           <a:p>
             <a:fld id="{E773F4B0-D372-4209-B55E-78E095AD1239}" type="datetimeFigureOut">
               <a:rPr lang="LID4096" smtClean="0"/>
-              <a:t>10/01/2019</a:t>
+              <a:t>10/02/2019</a:t>
             </a:fld>
             <a:endParaRPr lang="LID4096"/>
           </a:p>
@@ -4558,7 +4505,7 @@
           <a:p>
             <a:fld id="{E773F4B0-D372-4209-B55E-78E095AD1239}" type="datetimeFigureOut">
               <a:rPr lang="LID4096" smtClean="0"/>
-              <a:t>10/01/2019</a:t>
+              <a:t>10/02/2019</a:t>
             </a:fld>
             <a:endParaRPr lang="LID4096"/>
           </a:p>
@@ -4700,7 +4647,7 @@
           <a:p>
             <a:fld id="{E773F4B0-D372-4209-B55E-78E095AD1239}" type="datetimeFigureOut">
               <a:rPr lang="LID4096" smtClean="0"/>
-              <a:t>10/01/2019</a:t>
+              <a:t>10/02/2019</a:t>
             </a:fld>
             <a:endParaRPr lang="LID4096"/>
           </a:p>
@@ -4813,7 +4760,7 @@
           <a:p>
             <a:fld id="{E773F4B0-D372-4209-B55E-78E095AD1239}" type="datetimeFigureOut">
               <a:rPr lang="LID4096" smtClean="0"/>
-              <a:t>10/01/2019</a:t>
+              <a:t>10/02/2019</a:t>
             </a:fld>
             <a:endParaRPr lang="LID4096"/>
           </a:p>
@@ -5126,7 +5073,7 @@
           <a:p>
             <a:fld id="{E773F4B0-D372-4209-B55E-78E095AD1239}" type="datetimeFigureOut">
               <a:rPr lang="LID4096" smtClean="0"/>
-              <a:t>10/01/2019</a:t>
+              <a:t>10/02/2019</a:t>
             </a:fld>
             <a:endParaRPr lang="LID4096"/>
           </a:p>
@@ -5415,7 +5362,7 @@
           <a:p>
             <a:fld id="{E773F4B0-D372-4209-B55E-78E095AD1239}" type="datetimeFigureOut">
               <a:rPr lang="LID4096" smtClean="0"/>
-              <a:t>10/01/2019</a:t>
+              <a:t>10/02/2019</a:t>
             </a:fld>
             <a:endParaRPr lang="LID4096"/>
           </a:p>
@@ -5658,7 +5605,7 @@
           <a:p>
             <a:fld id="{E773F4B0-D372-4209-B55E-78E095AD1239}" type="datetimeFigureOut">
               <a:rPr lang="LID4096" smtClean="0"/>
-              <a:t>10/01/2019</a:t>
+              <a:t>10/02/2019</a:t>
             </a:fld>
             <a:endParaRPr lang="LID4096"/>
           </a:p>
@@ -7338,15 +7285,7 @@
             </a:r>
             <a:r>
               <a:rPr lang="en-US" noProof="0" dirty="0"/>
-              <a:t>. Dependent by </a:t>
-            </a:r>
-            <a:r>
-              <a:rPr lang="en-US" noProof="0" dirty="0" err="1"/>
-              <a:t>compler</a:t>
-            </a:r>
-            <a:r>
-              <a:rPr lang="en-US" noProof="0" dirty="0"/>
-              <a:t>/ IDE, std libs</a:t>
+              <a:t>. Dependent by compiler/ IDE, std libs</a:t>
             </a:r>
           </a:p>
           <a:p>
@@ -7933,7 +7872,7 @@
                 </a:solidFill>
                 <a:latin typeface="Consolas" panose="020B0609020204030204" pitchFamily="49" charset="0"/>
               </a:rPr>
-              <a:t>twice</a:t>
+              <a:t>TWICE </a:t>
             </a:r>
             <a:r>
               <a:rPr lang="en-US" dirty="0">
@@ -8031,7 +7970,7 @@
                 </a:solidFill>
                 <a:latin typeface="Consolas" panose="020B0609020204030204" pitchFamily="49" charset="0"/>
               </a:rPr>
-              <a:t>twice2</a:t>
+              <a:t>TWICE2</a:t>
             </a:r>
             <a:r>
               <a:rPr lang="en-US" dirty="0">
@@ -8213,7 +8152,7 @@
                 </a:solidFill>
                 <a:latin typeface="Consolas" panose="020B0609020204030204" pitchFamily="49" charset="0"/>
               </a:rPr>
-              <a:t>twice</a:t>
+              <a:t>TWICE</a:t>
             </a:r>
             <a:r>
               <a:rPr lang="en-US" dirty="0">
@@ -8377,7 +8316,7 @@
                 </a:solidFill>
                 <a:latin typeface="Consolas" panose="020B0609020204030204" pitchFamily="49" charset="0"/>
               </a:rPr>
-              <a:t>twice</a:t>
+              <a:t>TWICE</a:t>
             </a:r>
             <a:r>
               <a:rPr lang="en-US" dirty="0">
@@ -8562,7 +8501,7 @@
                 </a:solidFill>
                 <a:latin typeface="Consolas" panose="020B0609020204030204" pitchFamily="49" charset="0"/>
               </a:rPr>
-              <a:t>twice2</a:t>
+              <a:t>TWICE2</a:t>
             </a:r>
             <a:r>
               <a:rPr lang="en-US" dirty="0">
@@ -12140,7 +12079,7 @@
                 </a:solidFill>
                 <a:latin typeface="Consolas" panose="020B0609020204030204" pitchFamily="49" charset="0"/>
               </a:rPr>
-              <a:t>     </a:t>
+              <a:t>    </a:t>
             </a:r>
             <a:r>
               <a:rPr lang="en-US" sz="2000" dirty="0" err="1">
@@ -12262,7 +12201,25 @@
                 </a:solidFill>
                 <a:latin typeface="Consolas" panose="020B0609020204030204" pitchFamily="49" charset="0"/>
               </a:rPr>
-              <a:t> peasant = {</a:t>
+              <a:t> </a:t>
+            </a:r>
+            <a:r>
+              <a:rPr lang="en-US" sz="2000" dirty="0" err="1">
+                <a:solidFill>
+                  <a:srgbClr val="D4D4D4"/>
+                </a:solidFill>
+                <a:latin typeface="Consolas" panose="020B0609020204030204" pitchFamily="49" charset="0"/>
+              </a:rPr>
+              <a:t>myPeasant</a:t>
+            </a:r>
+            <a:r>
+              <a:rPr lang="en-US" sz="2000" dirty="0">
+                <a:solidFill>
+                  <a:srgbClr val="D4D4D4"/>
+                </a:solidFill>
+                <a:latin typeface="Consolas" panose="020B0609020204030204" pitchFamily="49" charset="0"/>
+              </a:rPr>
+              <a:t> = {</a:t>
             </a:r>
             <a:r>
               <a:rPr lang="en-US" sz="2000" dirty="0">
@@ -12388,7 +12345,25 @@
                 </a:solidFill>
                 <a:latin typeface="Consolas" panose="020B0609020204030204" pitchFamily="49" charset="0"/>
               </a:rPr>
-              <a:t> = peasant;</a:t>
+              <a:t> = </a:t>
+            </a:r>
+            <a:r>
+              <a:rPr lang="en-US" sz="2000" dirty="0" err="1">
+                <a:solidFill>
+                  <a:srgbClr val="D4D4D4"/>
+                </a:solidFill>
+                <a:latin typeface="Consolas" panose="020B0609020204030204" pitchFamily="49" charset="0"/>
+              </a:rPr>
+              <a:t>myPeasant</a:t>
+            </a:r>
+            <a:r>
+              <a:rPr lang="en-US" sz="2000" dirty="0">
+                <a:solidFill>
+                  <a:srgbClr val="D4D4D4"/>
+                </a:solidFill>
+                <a:latin typeface="Consolas" panose="020B0609020204030204" pitchFamily="49" charset="0"/>
+              </a:rPr>
+              <a:t>;</a:t>
             </a:r>
           </a:p>
           <a:p>
@@ -12437,25 +12412,7 @@
                 </a:solidFill>
                 <a:latin typeface="Consolas" panose="020B0609020204030204" pitchFamily="49" charset="0"/>
               </a:rPr>
-              <a:t>"</a:t>
-            </a:r>
-            <a:r>
-              <a:rPr lang="en-US" sz="2000" dirty="0" err="1">
-                <a:solidFill>
-                  <a:srgbClr val="CE9178"/>
-                </a:solidFill>
-                <a:latin typeface="Consolas" panose="020B0609020204030204" pitchFamily="49" charset="0"/>
-              </a:rPr>
-              <a:t>what.peasant</a:t>
-            </a:r>
-            <a:r>
-              <a:rPr lang="en-US" sz="2000" dirty="0">
-                <a:solidFill>
-                  <a:srgbClr val="CE9178"/>
-                </a:solidFill>
-                <a:latin typeface="Consolas" panose="020B0609020204030204" pitchFamily="49" charset="0"/>
-              </a:rPr>
-              <a:t>: %d</a:t>
+              <a:t>"what.hero.sz: %d</a:t>
             </a:r>
             <a:r>
               <a:rPr lang="en-US" sz="2000" dirty="0">
@@ -15266,7 +15223,7 @@
                 </a:solidFill>
                 <a:latin typeface="Consolas" panose="020B0609020204030204" pitchFamily="49" charset="0"/>
               </a:rPr>
-              <a:t>// c-pointer to address f b, which contains value 1</a:t>
+              <a:t>// c-pointer to address of b, which contains value 1</a:t>
             </a:r>
             <a:endParaRPr lang="en-US" sz="1500" dirty="0">
               <a:solidFill>
@@ -21167,7 +21124,7 @@
           <a:p>
             <a:r>
               <a:rPr lang="en-US" dirty="0"/>
-              <a:t>If used, changing compiler/ settings might change behavior</a:t>
+              <a:t>If you rely on it, changing compiler/ settings might change behavior</a:t>
             </a:r>
           </a:p>
         </p:txBody>
@@ -21282,15 +21239,33 @@
                                   </p:childTnLst>
                                 </p:cTn>
                               </p:par>
+                            </p:childTnLst>
+                          </p:cTn>
+                        </p:par>
+                      </p:childTnLst>
+                    </p:cTn>
+                  </p:par>
+                  <p:par>
+                    <p:cTn id="11" fill="hold">
+                      <p:stCondLst>
+                        <p:cond delay="indefinite"/>
+                      </p:stCondLst>
+                      <p:childTnLst>
+                        <p:par>
+                          <p:cTn id="12" fill="hold">
+                            <p:stCondLst>
+                              <p:cond delay="0"/>
+                            </p:stCondLst>
+                            <p:childTnLst>
                               <p:par>
-                                <p:cTn id="11" presetID="1" presetClass="entr" presetSubtype="0" fill="hold" grpId="0" nodeType="withEffect">
+                                <p:cTn id="13" presetID="1" presetClass="entr" presetSubtype="0" fill="hold" nodeType="clickEffect">
                                   <p:stCondLst>
                                     <p:cond delay="0"/>
                                   </p:stCondLst>
                                   <p:childTnLst>
                                     <p:set>
                                       <p:cBhvr>
-                                        <p:cTn id="12" dur="1" fill="hold">
+                                        <p:cTn id="14" dur="1" fill="hold">
                                           <p:stCondLst>
                                             <p:cond delay="0"/>
                                           </p:stCondLst>
@@ -21313,15 +21288,33 @@
                                   </p:childTnLst>
                                 </p:cTn>
                               </p:par>
+                            </p:childTnLst>
+                          </p:cTn>
+                        </p:par>
+                      </p:childTnLst>
+                    </p:cTn>
+                  </p:par>
+                  <p:par>
+                    <p:cTn id="15" fill="hold">
+                      <p:stCondLst>
+                        <p:cond delay="indefinite"/>
+                      </p:stCondLst>
+                      <p:childTnLst>
+                        <p:par>
+                          <p:cTn id="16" fill="hold">
+                            <p:stCondLst>
+                              <p:cond delay="0"/>
+                            </p:stCondLst>
+                            <p:childTnLst>
                               <p:par>
-                                <p:cTn id="13" presetID="1" presetClass="entr" presetSubtype="0" fill="hold" grpId="0" nodeType="withEffect">
+                                <p:cTn id="17" presetID="1" presetClass="entr" presetSubtype="0" fill="hold" nodeType="clickEffect">
                                   <p:stCondLst>
                                     <p:cond delay="0"/>
                                   </p:stCondLst>
                                   <p:childTnLst>
                                     <p:set>
                                       <p:cBhvr>
-                                        <p:cTn id="14" dur="1" fill="hold">
+                                        <p:cTn id="18" dur="1" fill="hold">
                                           <p:stCondLst>
                                             <p:cond delay="0"/>
                                           </p:stCondLst>
@@ -21344,15 +21337,33 @@
                                   </p:childTnLst>
                                 </p:cTn>
                               </p:par>
+                            </p:childTnLst>
+                          </p:cTn>
+                        </p:par>
+                      </p:childTnLst>
+                    </p:cTn>
+                  </p:par>
+                  <p:par>
+                    <p:cTn id="19" fill="hold">
+                      <p:stCondLst>
+                        <p:cond delay="indefinite"/>
+                      </p:stCondLst>
+                      <p:childTnLst>
+                        <p:par>
+                          <p:cTn id="20" fill="hold">
+                            <p:stCondLst>
+                              <p:cond delay="0"/>
+                            </p:stCondLst>
+                            <p:childTnLst>
                               <p:par>
-                                <p:cTn id="15" presetID="1" presetClass="entr" presetSubtype="0" fill="hold" grpId="0" nodeType="withEffect">
+                                <p:cTn id="21" presetID="1" presetClass="entr" presetSubtype="0" fill="hold" nodeType="clickEffect">
                                   <p:stCondLst>
                                     <p:cond delay="0"/>
                                   </p:stCondLst>
                                   <p:childTnLst>
                                     <p:set>
                                       <p:cBhvr>
-                                        <p:cTn id="16" dur="1" fill="hold">
+                                        <p:cTn id="22" dur="1" fill="hold">
                                           <p:stCondLst>
                                             <p:cond delay="0"/>
                                           </p:stCondLst>
@@ -21375,15 +21386,33 @@
                                   </p:childTnLst>
                                 </p:cTn>
                               </p:par>
+                            </p:childTnLst>
+                          </p:cTn>
+                        </p:par>
+                      </p:childTnLst>
+                    </p:cTn>
+                  </p:par>
+                  <p:par>
+                    <p:cTn id="23" fill="hold">
+                      <p:stCondLst>
+                        <p:cond delay="indefinite"/>
+                      </p:stCondLst>
+                      <p:childTnLst>
+                        <p:par>
+                          <p:cTn id="24" fill="hold">
+                            <p:stCondLst>
+                              <p:cond delay="0"/>
+                            </p:stCondLst>
+                            <p:childTnLst>
                               <p:par>
-                                <p:cTn id="17" presetID="1" presetClass="entr" presetSubtype="0" fill="hold" grpId="0" nodeType="withEffect">
+                                <p:cTn id="25" presetID="1" presetClass="entr" presetSubtype="0" fill="hold" nodeType="clickEffect">
                                   <p:stCondLst>
                                     <p:cond delay="0"/>
                                   </p:stCondLst>
                                   <p:childTnLst>
                                     <p:set>
                                       <p:cBhvr>
-                                        <p:cTn id="18" dur="1" fill="hold">
+                                        <p:cTn id="26" dur="1" fill="hold">
                                           <p:stCondLst>
                                             <p:cond delay="0"/>
                                           </p:stCondLst>
@@ -21407,14 +21436,14 @@
                                 </p:cTn>
                               </p:par>
                               <p:par>
-                                <p:cTn id="19" presetID="1" presetClass="entr" presetSubtype="0" fill="hold" grpId="0" nodeType="withEffect">
+                                <p:cTn id="27" presetID="1" presetClass="entr" presetSubtype="0" fill="hold" nodeType="withEffect">
                                   <p:stCondLst>
                                     <p:cond delay="0"/>
                                   </p:stCondLst>
                                   <p:childTnLst>
                                     <p:set>
                                       <p:cBhvr>
-                                        <p:cTn id="20" dur="1" fill="hold">
+                                        <p:cTn id="28" dur="1" fill="hold">
                                           <p:stCondLst>
                                             <p:cond delay="0"/>
                                           </p:stCondLst>
@@ -21444,26 +21473,26 @@
                     </p:cTn>
                   </p:par>
                   <p:par>
-                    <p:cTn id="21" fill="hold">
+                    <p:cTn id="29" fill="hold">
                       <p:stCondLst>
                         <p:cond delay="indefinite"/>
                       </p:stCondLst>
                       <p:childTnLst>
                         <p:par>
-                          <p:cTn id="22" fill="hold">
+                          <p:cTn id="30" fill="hold">
                             <p:stCondLst>
                               <p:cond delay="0"/>
                             </p:stCondLst>
                             <p:childTnLst>
                               <p:par>
-                                <p:cTn id="23" presetID="1" presetClass="entr" presetSubtype="0" fill="hold" grpId="0" nodeType="clickEffect">
+                                <p:cTn id="31" presetID="1" presetClass="entr" presetSubtype="0" fill="hold" nodeType="clickEffect">
                                   <p:stCondLst>
                                     <p:cond delay="0"/>
                                   </p:stCondLst>
                                   <p:childTnLst>
                                     <p:set>
                                       <p:cBhvr>
-                                        <p:cTn id="24" dur="1" fill="hold">
+                                        <p:cTn id="32" dur="1" fill="hold">
                                           <p:stCondLst>
                                             <p:cond delay="0"/>
                                           </p:stCondLst>
@@ -22284,6 +22313,13 @@
             <a:pPr lvl="1"/>
             <a:r>
               <a:rPr lang="en-US" dirty="0"/>
+              <a:t>Compiler flags</a:t>
+            </a:r>
+          </a:p>
+          <a:p>
+            <a:pPr lvl="1"/>
+            <a:r>
+              <a:rPr lang="en-US" dirty="0"/>
               <a:t>Fuzzing</a:t>
             </a:r>
           </a:p>
@@ -22501,6 +22537,55 @@
                                           <p:spTgt spid="3">
                                             <p:txEl>
                                               <p:pRg st="3" end="3"/>
+                                            </p:txEl>
+                                          </p:spTgt>
+                                        </p:tgtEl>
+                                        <p:attrNameLst>
+                                          <p:attrName>style.visibility</p:attrName>
+                                        </p:attrNameLst>
+                                      </p:cBhvr>
+                                      <p:to>
+                                        <p:strVal val="visible"/>
+                                      </p:to>
+                                    </p:set>
+                                  </p:childTnLst>
+                                </p:cTn>
+                              </p:par>
+                            </p:childTnLst>
+                          </p:cTn>
+                        </p:par>
+                      </p:childTnLst>
+                    </p:cTn>
+                  </p:par>
+                  <p:par>
+                    <p:cTn id="19" fill="hold">
+                      <p:stCondLst>
+                        <p:cond delay="indefinite"/>
+                      </p:stCondLst>
+                      <p:childTnLst>
+                        <p:par>
+                          <p:cTn id="20" fill="hold">
+                            <p:stCondLst>
+                              <p:cond delay="0"/>
+                            </p:stCondLst>
+                            <p:childTnLst>
+                              <p:par>
+                                <p:cTn id="21" presetID="1" presetClass="entr" presetSubtype="0" fill="hold" nodeType="clickEffect">
+                                  <p:stCondLst>
+                                    <p:cond delay="0"/>
+                                  </p:stCondLst>
+                                  <p:childTnLst>
+                                    <p:set>
+                                      <p:cBhvr>
+                                        <p:cTn id="22" dur="1" fill="hold">
+                                          <p:stCondLst>
+                                            <p:cond delay="0"/>
+                                          </p:stCondLst>
+                                        </p:cTn>
+                                        <p:tgtEl>
+                                          <p:spTgt spid="3">
+                                            <p:txEl>
+                                              <p:pRg st="4" end="4"/>
                                             </p:txEl>
                                           </p:spTgt>
                                         </p:tgtEl>
@@ -23237,7 +23322,7 @@
         </p:spPr>
         <p:txBody>
           <a:bodyPr>
-            <a:normAutofit/>
+            <a:normAutofit lnSpcReduction="10000"/>
           </a:bodyPr>
           <a:lstStyle/>
           <a:p>
@@ -23308,6 +23393,12 @@
             <a:r>
               <a:rPr lang="en-US" dirty="0"/>
               <a:t>Compilation database: “python3 /usr/bin/run-clang-tidy-8.py -header-filter='.*' -checks='*’ “</a:t>
+            </a:r>
+          </a:p>
+          <a:p>
+            <a:r>
+              <a:rPr lang="en-US" dirty="0"/>
+              <a:t>…</a:t>
             </a:r>
           </a:p>
         </p:txBody>
@@ -23630,6 +23721,55 @@
                                           <p:spTgt spid="3">
                                             <p:txEl>
                                               <p:pRg st="7" end="7"/>
+                                            </p:txEl>
+                                          </p:spTgt>
+                                        </p:tgtEl>
+                                        <p:attrNameLst>
+                                          <p:attrName>style.visibility</p:attrName>
+                                        </p:attrNameLst>
+                                      </p:cBhvr>
+                                      <p:to>
+                                        <p:strVal val="visible"/>
+                                      </p:to>
+                                    </p:set>
+                                  </p:childTnLst>
+                                </p:cTn>
+                              </p:par>
+                            </p:childTnLst>
+                          </p:cTn>
+                        </p:par>
+                      </p:childTnLst>
+                    </p:cTn>
+                  </p:par>
+                  <p:par>
+                    <p:cTn id="27" fill="hold">
+                      <p:stCondLst>
+                        <p:cond delay="indefinite"/>
+                      </p:stCondLst>
+                      <p:childTnLst>
+                        <p:par>
+                          <p:cTn id="28" fill="hold">
+                            <p:stCondLst>
+                              <p:cond delay="0"/>
+                            </p:stCondLst>
+                            <p:childTnLst>
+                              <p:par>
+                                <p:cTn id="29" presetID="1" presetClass="entr" presetSubtype="0" fill="hold" grpId="0" nodeType="clickEffect">
+                                  <p:stCondLst>
+                                    <p:cond delay="0"/>
+                                  </p:stCondLst>
+                                  <p:childTnLst>
+                                    <p:set>
+                                      <p:cBhvr>
+                                        <p:cTn id="30" dur="1" fill="hold">
+                                          <p:stCondLst>
+                                            <p:cond delay="0"/>
+                                          </p:stCondLst>
+                                        </p:cTn>
+                                        <p:tgtEl>
+                                          <p:spTgt spid="3">
+                                            <p:txEl>
+                                              <p:pRg st="8" end="8"/>
                                             </p:txEl>
                                           </p:spTgt>
                                         </p:tgtEl>
@@ -25963,12 +26103,8 @@
           <a:lstStyle/>
           <a:p>
             <a:r>
-              <a:rPr lang="en-US" noProof="0" dirty="0" err="1"/>
-              <a:t>Wheres</a:t>
-            </a:r>
-            <a:r>
               <a:rPr lang="en-US" noProof="0" dirty="0"/>
-              <a:t> the love at?</a:t>
+              <a:t>Where's the love at?</a:t>
             </a:r>
           </a:p>
         </p:txBody>
@@ -27543,7 +27679,7 @@
           <a:p>
             <a:r>
               <a:rPr lang="en-US" noProof="0" dirty="0"/>
-              <a:t>Think bytes</a:t>
+              <a:t>Think bytes, HW, direct memory access</a:t>
             </a:r>
           </a:p>
         </p:txBody>
@@ -27916,15 +28052,7 @@
             <a:pPr lvl="2"/>
             <a:r>
               <a:rPr lang="en-US" noProof="0" dirty="0"/>
-              <a:t>Smallest </a:t>
-            </a:r>
-            <a:r>
-              <a:rPr lang="en-US" noProof="0" dirty="0" err="1"/>
-              <a:t>adressable</a:t>
-            </a:r>
-            <a:r>
-              <a:rPr lang="en-US" noProof="0" dirty="0"/>
-              <a:t> unit </a:t>
+              <a:t>Smallest addressable unit </a:t>
             </a:r>
           </a:p>
           <a:p>
